--- a/trunk/out/presentacion/presentacionTAD.pptx
+++ b/trunk/out/presentacion/presentacionTAD.pptx
@@ -14,8 +14,13 @@
     <p:sldId id="261" r:id="rId8"/>
     <p:sldId id="263" r:id="rId9"/>
     <p:sldId id="264" r:id="rId10"/>
-    <p:sldId id="265" r:id="rId11"/>
-    <p:sldId id="266" r:id="rId12"/>
+    <p:sldId id="268" r:id="rId11"/>
+    <p:sldId id="265" r:id="rId12"/>
+    <p:sldId id="267" r:id="rId13"/>
+    <p:sldId id="266" r:id="rId14"/>
+    <p:sldId id="269" r:id="rId15"/>
+    <p:sldId id="270" r:id="rId16"/>
+    <p:sldId id="271" r:id="rId17"/>
   </p:sldIdLst>
   <p:sldSz cx="9144000" cy="6858000" type="screen4x3"/>
   <p:notesSz cx="6858000" cy="9144000"/>
@@ -115,6 +120,408 @@
     </a:lvl9pPr>
   </p:defaultTextStyle>
 </p:presentation>
+</file>
+
+<file path=ppt/charts/chart1.xml><?xml version="1.0" encoding="utf-8"?>
+<c:chartSpace xmlns:c="http://schemas.openxmlformats.org/drawingml/2006/chart" xmlns:a="http://schemas.openxmlformats.org/drawingml/2006/main" xmlns:r="http://schemas.openxmlformats.org/officeDocument/2006/relationships">
+  <c:date1904 val="0"/>
+  <c:lang val="es-ES"/>
+  <c:roundedCorners val="0"/>
+  <mc:AlternateContent xmlns:mc="http://schemas.openxmlformats.org/markup-compatibility/2006">
+    <mc:Choice xmlns:c14="http://schemas.microsoft.com/office/drawing/2007/8/2/chart" Requires="c14">
+      <c14:style val="102"/>
+    </mc:Choice>
+    <mc:Fallback>
+      <c:style val="2"/>
+    </mc:Fallback>
+  </mc:AlternateContent>
+  <c:chart>
+    <c:autoTitleDeleted val="1"/>
+    <c:plotArea>
+      <c:layout/>
+      <c:barChart>
+        <c:barDir val="col"/>
+        <c:grouping val="clustered"/>
+        <c:varyColors val="0"/>
+        <c:ser>
+          <c:idx val="0"/>
+          <c:order val="0"/>
+          <c:tx>
+            <c:strRef>
+              <c:f>Hoja1!$B$1</c:f>
+              <c:strCache>
+                <c:ptCount val="1"/>
+                <c:pt idx="0">
+                  <c:v>CPU</c:v>
+                </c:pt>
+              </c:strCache>
+            </c:strRef>
+          </c:tx>
+          <c:invertIfNegative val="0"/>
+          <c:dLbls>
+            <c:txPr>
+              <a:bodyPr rot="-5400000" vert="horz"/>
+              <a:lstStyle/>
+              <a:p>
+                <a:pPr>
+                  <a:defRPr sz="1100">
+                    <a:latin typeface="+mj-lt"/>
+                    <a:cs typeface="Arial" pitchFamily="34" charset="0"/>
+                  </a:defRPr>
+                </a:pPr>
+                <a:endParaRPr lang="es-ES"/>
+              </a:p>
+            </c:txPr>
+            <c:showLegendKey val="0"/>
+            <c:showVal val="1"/>
+            <c:showCatName val="0"/>
+            <c:showSerName val="0"/>
+            <c:showPercent val="0"/>
+            <c:showBubbleSize val="0"/>
+            <c:showLeaderLines val="0"/>
+          </c:dLbls>
+          <c:cat>
+            <c:numRef>
+              <c:f>Hoja1!$A$2:$A$9</c:f>
+              <c:numCache>
+                <c:formatCode>General</c:formatCode>
+                <c:ptCount val="8"/>
+                <c:pt idx="0">
+                  <c:v>4</c:v>
+                </c:pt>
+                <c:pt idx="1">
+                  <c:v>8</c:v>
+                </c:pt>
+                <c:pt idx="2">
+                  <c:v>12</c:v>
+                </c:pt>
+                <c:pt idx="3">
+                  <c:v>16</c:v>
+                </c:pt>
+                <c:pt idx="4">
+                  <c:v>20</c:v>
+                </c:pt>
+                <c:pt idx="5">
+                  <c:v>24</c:v>
+                </c:pt>
+                <c:pt idx="6">
+                  <c:v>28</c:v>
+                </c:pt>
+                <c:pt idx="7">
+                  <c:v>32</c:v>
+                </c:pt>
+              </c:numCache>
+            </c:numRef>
+          </c:cat>
+          <c:val>
+            <c:numRef>
+              <c:f>Hoja1!$B$2:$B$9</c:f>
+              <c:numCache>
+                <c:formatCode>General</c:formatCode>
+                <c:ptCount val="8"/>
+                <c:pt idx="0">
+                  <c:v>0.19600000000000001</c:v>
+                </c:pt>
+                <c:pt idx="1">
+                  <c:v>1.2270000000000001</c:v>
+                </c:pt>
+                <c:pt idx="2">
+                  <c:v>3.375</c:v>
+                </c:pt>
+                <c:pt idx="3">
+                  <c:v>6.55</c:v>
+                </c:pt>
+                <c:pt idx="4">
+                  <c:v>9.875</c:v>
+                </c:pt>
+                <c:pt idx="5">
+                  <c:v>28.044</c:v>
+                </c:pt>
+                <c:pt idx="6">
+                  <c:v>36.148000000000003</c:v>
+                </c:pt>
+                <c:pt idx="7">
+                  <c:v>54.465000000000003</c:v>
+                </c:pt>
+              </c:numCache>
+            </c:numRef>
+          </c:val>
+        </c:ser>
+        <c:ser>
+          <c:idx val="1"/>
+          <c:order val="1"/>
+          <c:tx>
+            <c:strRef>
+              <c:f>Hoja1!$C$1</c:f>
+              <c:strCache>
+                <c:ptCount val="1"/>
+                <c:pt idx="0">
+                  <c:v>GPU</c:v>
+                </c:pt>
+              </c:strCache>
+            </c:strRef>
+          </c:tx>
+          <c:spPr>
+            <a:solidFill>
+              <a:srgbClr val="FF0000"/>
+            </a:solidFill>
+          </c:spPr>
+          <c:invertIfNegative val="0"/>
+          <c:dLbls>
+            <c:txPr>
+              <a:bodyPr rot="-5400000" vert="horz"/>
+              <a:lstStyle/>
+              <a:p>
+                <a:pPr>
+                  <a:defRPr sz="1100">
+                    <a:latin typeface="+mj-lt"/>
+                    <a:cs typeface="Arial" pitchFamily="34" charset="0"/>
+                  </a:defRPr>
+                </a:pPr>
+                <a:endParaRPr lang="es-ES"/>
+              </a:p>
+            </c:txPr>
+            <c:showLegendKey val="0"/>
+            <c:showVal val="1"/>
+            <c:showCatName val="0"/>
+            <c:showSerName val="0"/>
+            <c:showPercent val="0"/>
+            <c:showBubbleSize val="0"/>
+            <c:showLeaderLines val="0"/>
+          </c:dLbls>
+          <c:cat>
+            <c:numRef>
+              <c:f>Hoja1!$A$2:$A$9</c:f>
+              <c:numCache>
+                <c:formatCode>General</c:formatCode>
+                <c:ptCount val="8"/>
+                <c:pt idx="0">
+                  <c:v>4</c:v>
+                </c:pt>
+                <c:pt idx="1">
+                  <c:v>8</c:v>
+                </c:pt>
+                <c:pt idx="2">
+                  <c:v>12</c:v>
+                </c:pt>
+                <c:pt idx="3">
+                  <c:v>16</c:v>
+                </c:pt>
+                <c:pt idx="4">
+                  <c:v>20</c:v>
+                </c:pt>
+                <c:pt idx="5">
+                  <c:v>24</c:v>
+                </c:pt>
+                <c:pt idx="6">
+                  <c:v>28</c:v>
+                </c:pt>
+                <c:pt idx="7">
+                  <c:v>32</c:v>
+                </c:pt>
+              </c:numCache>
+            </c:numRef>
+          </c:cat>
+          <c:val>
+            <c:numRef>
+              <c:f>Hoja1!$C$2:$C$9</c:f>
+              <c:numCache>
+                <c:formatCode>General</c:formatCode>
+                <c:ptCount val="8"/>
+                <c:pt idx="0">
+                  <c:v>0.77300000000000002</c:v>
+                </c:pt>
+                <c:pt idx="1">
+                  <c:v>0.78200000000000003</c:v>
+                </c:pt>
+                <c:pt idx="2">
+                  <c:v>0.78600000000000003</c:v>
+                </c:pt>
+                <c:pt idx="3">
+                  <c:v>0.79600000000000004</c:v>
+                </c:pt>
+                <c:pt idx="4">
+                  <c:v>0.79900000000000004</c:v>
+                </c:pt>
+                <c:pt idx="5">
+                  <c:v>0.8</c:v>
+                </c:pt>
+                <c:pt idx="6">
+                  <c:v>0.82799999999999996</c:v>
+                </c:pt>
+                <c:pt idx="7">
+                  <c:v>0.84099999999999997</c:v>
+                </c:pt>
+              </c:numCache>
+            </c:numRef>
+          </c:val>
+        </c:ser>
+        <c:dLbls>
+          <c:showLegendKey val="0"/>
+          <c:showVal val="0"/>
+          <c:showCatName val="0"/>
+          <c:showSerName val="0"/>
+          <c:showPercent val="0"/>
+          <c:showBubbleSize val="0"/>
+        </c:dLbls>
+        <c:gapWidth val="150"/>
+        <c:axId val="134177920"/>
+        <c:axId val="134365952"/>
+      </c:barChart>
+      <c:catAx>
+        <c:axId val="134177920"/>
+        <c:scaling>
+          <c:orientation val="minMax"/>
+        </c:scaling>
+        <c:delete val="0"/>
+        <c:axPos val="b"/>
+        <c:title>
+          <c:tx>
+            <c:rich>
+              <a:bodyPr/>
+              <a:lstStyle/>
+              <a:p>
+                <a:pPr>
+                  <a:defRPr sz="1200" b="1">
+                    <a:latin typeface="+mj-lt"/>
+                  </a:defRPr>
+                </a:pPr>
+                <a:r>
+                  <a:rPr lang="es-ES" sz="1200" b="1">
+                    <a:latin typeface="+mj-lt"/>
+                  </a:rPr>
+                  <a:t>Dimension</a:t>
+                </a:r>
+                <a:r>
+                  <a:rPr lang="es-ES" sz="1200" b="1" baseline="0">
+                    <a:latin typeface="+mj-lt"/>
+                  </a:rPr>
+                  <a:t> de la Matriz Cuadrada</a:t>
+                </a:r>
+                <a:endParaRPr lang="es-ES" sz="1200" b="1">
+                  <a:latin typeface="+mj-lt"/>
+                </a:endParaRPr>
+              </a:p>
+            </c:rich>
+          </c:tx>
+          <c:layout/>
+          <c:overlay val="0"/>
+        </c:title>
+        <c:numFmt formatCode="General" sourceLinked="1"/>
+        <c:majorTickMark val="out"/>
+        <c:minorTickMark val="none"/>
+        <c:tickLblPos val="nextTo"/>
+        <c:txPr>
+          <a:bodyPr/>
+          <a:lstStyle/>
+          <a:p>
+            <a:pPr>
+              <a:defRPr sz="1100">
+                <a:latin typeface="+mj-lt"/>
+                <a:cs typeface="Arial" pitchFamily="34" charset="0"/>
+              </a:defRPr>
+            </a:pPr>
+            <a:endParaRPr lang="es-ES"/>
+          </a:p>
+        </c:txPr>
+        <c:crossAx val="134365952"/>
+        <c:crosses val="autoZero"/>
+        <c:auto val="1"/>
+        <c:lblAlgn val="ctr"/>
+        <c:lblOffset val="100"/>
+        <c:noMultiLvlLbl val="0"/>
+      </c:catAx>
+      <c:valAx>
+        <c:axId val="134365952"/>
+        <c:scaling>
+          <c:orientation val="minMax"/>
+        </c:scaling>
+        <c:delete val="0"/>
+        <c:axPos val="l"/>
+        <c:majorGridlines/>
+        <c:title>
+          <c:tx>
+            <c:rich>
+              <a:bodyPr rot="-5400000" vert="horz"/>
+              <a:lstStyle/>
+              <a:p>
+                <a:pPr>
+                  <a:defRPr sz="1200" b="1">
+                    <a:latin typeface="+mj-lt"/>
+                    <a:cs typeface="Arial" pitchFamily="34" charset="0"/>
+                  </a:defRPr>
+                </a:pPr>
+                <a:r>
+                  <a:rPr lang="es-ES" sz="1200" b="1">
+                    <a:latin typeface="+mj-lt"/>
+                    <a:cs typeface="Arial" pitchFamily="34" charset="0"/>
+                  </a:rPr>
+                  <a:t>Tiempo</a:t>
+                </a:r>
+                <a:r>
+                  <a:rPr lang="es-ES" sz="1200" b="1" baseline="0">
+                    <a:latin typeface="+mj-lt"/>
+                    <a:cs typeface="Arial" pitchFamily="34" charset="0"/>
+                  </a:rPr>
+                  <a:t> (ms)</a:t>
+                </a:r>
+                <a:endParaRPr lang="es-ES" sz="1200" b="1">
+                  <a:latin typeface="+mj-lt"/>
+                  <a:cs typeface="Arial" pitchFamily="34" charset="0"/>
+                </a:endParaRPr>
+              </a:p>
+            </c:rich>
+          </c:tx>
+          <c:layout/>
+          <c:overlay val="0"/>
+        </c:title>
+        <c:numFmt formatCode="General" sourceLinked="1"/>
+        <c:majorTickMark val="out"/>
+        <c:minorTickMark val="none"/>
+        <c:tickLblPos val="nextTo"/>
+        <c:txPr>
+          <a:bodyPr/>
+          <a:lstStyle/>
+          <a:p>
+            <a:pPr>
+              <a:defRPr sz="1100">
+                <a:latin typeface="Arial" pitchFamily="34" charset="0"/>
+                <a:cs typeface="Arial" pitchFamily="34" charset="0"/>
+              </a:defRPr>
+            </a:pPr>
+            <a:endParaRPr lang="es-ES"/>
+          </a:p>
+        </c:txPr>
+        <c:crossAx val="134177920"/>
+        <c:crosses val="autoZero"/>
+        <c:crossBetween val="between"/>
+      </c:valAx>
+    </c:plotArea>
+    <c:legend>
+      <c:legendPos val="r"/>
+      <c:layout/>
+      <c:overlay val="0"/>
+      <c:txPr>
+        <a:bodyPr/>
+        <a:lstStyle/>
+        <a:p>
+          <a:pPr>
+            <a:defRPr sz="1200">
+              <a:latin typeface="+mj-lt"/>
+            </a:defRPr>
+          </a:pPr>
+          <a:endParaRPr lang="es-ES"/>
+        </a:p>
+      </c:txPr>
+    </c:legend>
+    <c:plotVisOnly val="1"/>
+    <c:dispBlanksAs val="gap"/>
+    <c:showDLblsOverMax val="0"/>
+  </c:chart>
+  <c:externalData r:id="rId1">
+    <c:autoUpdate val="0"/>
+  </c:externalData>
+</c:chartSpace>
 </file>
 
 <file path=ppt/slideLayouts/slideLayout1.xml><?xml version="1.0" encoding="utf-8"?>
@@ -4001,7 +4408,7 @@
           <a:p>
             <a:r>
               <a:rPr lang="es-ES_tradnl" dirty="0" smtClean="0"/>
-              <a:t>Modelo CUDA: Ventajas</a:t>
+              <a:t>Modelo CUDA</a:t>
             </a:r>
             <a:endParaRPr lang="es-ES" dirty="0"/>
           </a:p>
@@ -4026,45 +4433,78 @@
           </a:p>
           <a:p>
             <a:r>
-              <a:rPr lang="es-ES_tradnl" dirty="0"/>
-              <a:t>Incrementar el número de núcleos </a:t>
+              <a:rPr lang="es-ES_tradnl" dirty="0" err="1" smtClean="0"/>
+              <a:t>Kernels</a:t>
             </a:r>
             <a:r>
               <a:rPr lang="es-ES_tradnl" dirty="0" smtClean="0"/>
-              <a:t>computacionales.</a:t>
+              <a:t>: ejecutado por hilos en paralelo.</a:t>
+            </a:r>
+          </a:p>
+          <a:p>
+            <a:r>
+              <a:rPr lang="es-ES_tradnl" dirty="0" smtClean="0"/>
+              <a:t>Sincronización por Barrera.</a:t>
+            </a:r>
+          </a:p>
+          <a:p>
+            <a:r>
+              <a:rPr lang="es-ES_tradnl" dirty="0" smtClean="0"/>
+              <a:t>Estructura Host-</a:t>
+            </a:r>
+            <a:r>
+              <a:rPr lang="es-ES_tradnl" dirty="0" err="1" smtClean="0"/>
+              <a:t>Device</a:t>
+            </a:r>
+            <a:r>
+              <a:rPr lang="es-ES_tradnl" dirty="0" smtClean="0"/>
+              <a:t>:</a:t>
             </a:r>
             <a:endParaRPr lang="es-ES_tradnl" dirty="0"/>
           </a:p>
           <a:p>
-            <a:r>
-              <a:rPr lang="es-ES_tradnl" dirty="0"/>
-              <a:t>Provee de granularidad fina en el paralelismo de los datos y los </a:t>
-            </a:r>
+            <a:pPr lvl="1"/>
             <a:r>
               <a:rPr lang="es-ES_tradnl" dirty="0" smtClean="0"/>
-              <a:t>hilos. </a:t>
-            </a:r>
-          </a:p>
-          <a:p>
+              <a:t>Hilos CUDA se ejecutan en </a:t>
+            </a:r>
+            <a:r>
+              <a:rPr lang="es-ES_tradnl" dirty="0" err="1" smtClean="0"/>
+              <a:t>device</a:t>
+            </a:r>
             <a:r>
               <a:rPr lang="es-ES_tradnl" dirty="0" smtClean="0"/>
-              <a:t>Extiende </a:t>
-            </a:r>
+              <a:t>.</a:t>
+            </a:r>
+          </a:p>
+          <a:p>
+            <a:pPr lvl="1"/>
             <a:r>
               <a:rPr lang="es-ES_tradnl" dirty="0" smtClean="0"/>
-              <a:t>el lenguaje con un conjunto </a:t>
-            </a:r>
+              <a:t>Resto del programa en el host.</a:t>
+            </a:r>
+          </a:p>
+          <a:p>
+            <a:pPr lvl="1"/>
             <a:r>
               <a:rPr lang="es-ES_tradnl" dirty="0" smtClean="0"/>
-              <a:t>reducido </a:t>
-            </a:r>
+              <a:t>Espacios de memoria propios.</a:t>
+            </a:r>
+          </a:p>
+          <a:p>
+            <a:pPr lvl="1"/>
             <a:r>
               <a:rPr lang="es-ES_tradnl" dirty="0" smtClean="0"/>
-              <a:t>de instrucciones.</a:t>
-            </a:r>
-            <a:endParaRPr lang="es-ES" dirty="0"/>
-          </a:p>
-          <a:p>
+              <a:t>Transferencia de datos host-</a:t>
+            </a:r>
+            <a:r>
+              <a:rPr lang="es-ES_tradnl" dirty="0" err="1" smtClean="0"/>
+              <a:t>device</a:t>
+            </a:r>
+            <a:r>
+              <a:rPr lang="es-ES_tradnl" dirty="0" smtClean="0"/>
+              <a:t>.</a:t>
+            </a:r>
             <a:endParaRPr lang="es-ES" dirty="0"/>
           </a:p>
         </p:txBody>
@@ -4072,7 +4512,7 @@
     </p:spTree>
     <p:extLst>
       <p:ext uri="{BB962C8B-B14F-4D97-AF65-F5344CB8AC3E}">
-        <p14:creationId xmlns:p14="http://schemas.microsoft.com/office/powerpoint/2010/main" val="2487821308"/>
+        <p14:creationId xmlns:p14="http://schemas.microsoft.com/office/powerpoint/2010/main" val="451740982"/>
       </p:ext>
     </p:extLst>
   </p:cSld>
@@ -4111,6 +4551,832 @@
         </p:nvSpPr>
         <p:spPr/>
         <p:txBody>
+          <a:bodyPr/>
+          <a:lstStyle/>
+          <a:p>
+            <a:r>
+              <a:rPr lang="es-ES_tradnl" dirty="0" smtClean="0"/>
+              <a:t>Modelo CUDA: Ventajas</a:t>
+            </a:r>
+            <a:endParaRPr lang="es-ES" dirty="0"/>
+          </a:p>
+        </p:txBody>
+      </p:sp>
+      <p:sp>
+        <p:nvSpPr>
+          <p:cNvPr id="3" name="2 Marcador de contenido"/>
+          <p:cNvSpPr>
+            <a:spLocks noGrp="1"/>
+          </p:cNvSpPr>
+          <p:nvPr>
+            <p:ph idx="1"/>
+          </p:nvPr>
+        </p:nvSpPr>
+        <p:spPr/>
+        <p:txBody>
+          <a:bodyPr/>
+          <a:lstStyle/>
+          <a:p>
+            <a:endParaRPr lang="es-ES_tradnl" dirty="0" smtClean="0"/>
+          </a:p>
+          <a:p>
+            <a:r>
+              <a:rPr lang="es-ES_tradnl" dirty="0"/>
+              <a:t>Incrementar el número de núcleos </a:t>
+            </a:r>
+            <a:r>
+              <a:rPr lang="es-ES_tradnl" dirty="0" smtClean="0"/>
+              <a:t>computacionales.</a:t>
+            </a:r>
+            <a:endParaRPr lang="es-ES_tradnl" dirty="0"/>
+          </a:p>
+          <a:p>
+            <a:r>
+              <a:rPr lang="es-ES_tradnl" dirty="0"/>
+              <a:t>Provee de granularidad fina en el paralelismo de los datos y los </a:t>
+            </a:r>
+            <a:r>
+              <a:rPr lang="es-ES_tradnl" dirty="0" smtClean="0"/>
+              <a:t>hilos. </a:t>
+            </a:r>
+          </a:p>
+          <a:p>
+            <a:r>
+              <a:rPr lang="es-ES_tradnl" dirty="0" smtClean="0"/>
+              <a:t>Extiende el lenguaje con un conjunto reducido de instrucciones.</a:t>
+            </a:r>
+            <a:endParaRPr lang="es-ES" dirty="0"/>
+          </a:p>
+          <a:p>
+            <a:endParaRPr lang="es-ES" dirty="0"/>
+          </a:p>
+        </p:txBody>
+      </p:sp>
+    </p:spTree>
+    <p:extLst>
+      <p:ext uri="{BB962C8B-B14F-4D97-AF65-F5344CB8AC3E}">
+        <p14:creationId xmlns:p14="http://schemas.microsoft.com/office/powerpoint/2010/main" val="2487821308"/>
+      </p:ext>
+    </p:extLst>
+  </p:cSld>
+  <p:clrMapOvr>
+    <a:masterClrMapping/>
+  </p:clrMapOvr>
+</p:sld>
+</file>
+
+<file path=ppt/slides/slide12.xml><?xml version="1.0" encoding="utf-8"?>
+<p:sld xmlns:a="http://schemas.openxmlformats.org/drawingml/2006/main" xmlns:r="http://schemas.openxmlformats.org/officeDocument/2006/relationships" xmlns:p="http://schemas.openxmlformats.org/presentationml/2006/main">
+  <p:cSld>
+    <p:spTree>
+      <p:nvGrpSpPr>
+        <p:cNvPr id="1" name=""/>
+        <p:cNvGrpSpPr/>
+        <p:nvPr/>
+      </p:nvGrpSpPr>
+      <p:grpSpPr>
+        <a:xfrm>
+          <a:off x="0" y="0"/>
+          <a:ext cx="0" cy="0"/>
+          <a:chOff x="0" y="0"/>
+          <a:chExt cx="0" cy="0"/>
+        </a:xfrm>
+      </p:grpSpPr>
+      <p:sp>
+        <p:nvSpPr>
+          <p:cNvPr id="2" name="1 Título"/>
+          <p:cNvSpPr>
+            <a:spLocks noGrp="1"/>
+          </p:cNvSpPr>
+          <p:nvPr>
+            <p:ph type="title"/>
+          </p:nvPr>
+        </p:nvSpPr>
+        <p:spPr/>
+        <p:txBody>
+          <a:bodyPr/>
+          <a:lstStyle/>
+          <a:p>
+            <a:r>
+              <a:rPr lang="es-ES_tradnl" dirty="0" smtClean="0"/>
+              <a:t>Hardware Utilizado</a:t>
+            </a:r>
+            <a:endParaRPr lang="es-ES" dirty="0"/>
+          </a:p>
+        </p:txBody>
+      </p:sp>
+      <p:graphicFrame>
+        <p:nvGraphicFramePr>
+          <p:cNvPr id="4" name="3 Marcador de contenido"/>
+          <p:cNvGraphicFramePr>
+            <a:graphicFrameLocks noGrp="1"/>
+          </p:cNvGraphicFramePr>
+          <p:nvPr>
+            <p:ph idx="1"/>
+            <p:extLst>
+              <p:ext uri="{D42A27DB-BD31-4B8C-83A1-F6EECF244321}">
+                <p14:modId xmlns:p14="http://schemas.microsoft.com/office/powerpoint/2010/main" val="3116937942"/>
+              </p:ext>
+            </p:extLst>
+          </p:nvPr>
+        </p:nvGraphicFramePr>
+        <p:xfrm>
+          <a:off x="457200" y="2348880"/>
+          <a:ext cx="8229600" cy="3337560"/>
+        </p:xfrm>
+        <a:graphic>
+          <a:graphicData uri="http://schemas.openxmlformats.org/drawingml/2006/table">
+            <a:tbl>
+              <a:tblPr firstRow="1" bandRow="1">
+                <a:tableStyleId>{21E4AEA4-8DFA-4A89-87EB-49C32662AFE0}</a:tableStyleId>
+              </a:tblPr>
+              <a:tblGrid>
+                <a:gridCol w="2743200"/>
+                <a:gridCol w="2743200"/>
+                <a:gridCol w="2743200"/>
+              </a:tblGrid>
+              <a:tr h="370840">
+                <a:tc>
+                  <a:txBody>
+                    <a:bodyPr/>
+                    <a:lstStyle/>
+                    <a:p>
+                      <a:pPr algn="l" fontAlgn="base"/>
+                      <a:endParaRPr lang="es-ES" sz="1100" b="0" i="0" u="none" strike="noStrike" dirty="0">
+                        <a:solidFill>
+                          <a:srgbClr val="000000"/>
+                        </a:solidFill>
+                        <a:effectLst/>
+                        <a:latin typeface="Arial" pitchFamily="34" charset="0"/>
+                        <a:cs typeface="Arial" pitchFamily="34" charset="0"/>
+                      </a:endParaRPr>
+                    </a:p>
+                  </a:txBody>
+                  <a:tcPr marL="66675" marR="66675" marT="66675" marB="66675" anchor="ctr">
+                    <a:noFill/>
+                  </a:tcPr>
+                </a:tc>
+                <a:tc>
+                  <a:txBody>
+                    <a:bodyPr/>
+                    <a:lstStyle/>
+                    <a:p>
+                      <a:pPr algn="ctr" fontAlgn="t"/>
+                      <a:r>
+                        <a:rPr lang="es-ES" sz="1400" u="none" strike="noStrike" dirty="0">
+                          <a:effectLst/>
+                          <a:latin typeface="Arial" pitchFamily="34" charset="0"/>
+                          <a:cs typeface="Arial" pitchFamily="34" charset="0"/>
+                        </a:rPr>
+                        <a:t>NVIDIA Tesla C2050</a:t>
+                      </a:r>
+                      <a:endParaRPr lang="es-ES" sz="2400" b="1" dirty="0">
+                        <a:effectLst/>
+                        <a:latin typeface="Arial" pitchFamily="34" charset="0"/>
+                        <a:cs typeface="Arial" pitchFamily="34" charset="0"/>
+                      </a:endParaRPr>
+                    </a:p>
+                  </a:txBody>
+                  <a:tcPr marL="66675" marR="66675" marT="66675" marB="66675" anchor="ctr"/>
+                </a:tc>
+                <a:tc>
+                  <a:txBody>
+                    <a:bodyPr/>
+                    <a:lstStyle/>
+                    <a:p>
+                      <a:pPr algn="ctr" fontAlgn="t"/>
+                      <a:r>
+                        <a:rPr lang="es-ES" sz="1400" u="none" strike="noStrike" dirty="0" smtClean="0">
+                          <a:effectLst/>
+                          <a:latin typeface="Arial" pitchFamily="34" charset="0"/>
+                          <a:cs typeface="Arial" pitchFamily="34" charset="0"/>
+                        </a:rPr>
+                        <a:t>NVIDIA Tesla C1060</a:t>
+                      </a:r>
+                      <a:endParaRPr lang="es-ES" sz="2400" b="1" dirty="0">
+                        <a:effectLst/>
+                        <a:latin typeface="Arial" pitchFamily="34" charset="0"/>
+                        <a:cs typeface="Arial" pitchFamily="34" charset="0"/>
+                      </a:endParaRPr>
+                    </a:p>
+                  </a:txBody>
+                  <a:tcPr marL="66675" marR="66675" marT="66675" marB="66675" anchor="ctr"/>
+                </a:tc>
+              </a:tr>
+              <a:tr h="370840">
+                <a:tc>
+                  <a:txBody>
+                    <a:bodyPr/>
+                    <a:lstStyle/>
+                    <a:p>
+                      <a:pPr algn="l" fontAlgn="t"/>
+                      <a:r>
+                        <a:rPr lang="es-ES" sz="1200" u="none" strike="noStrike" dirty="0">
+                          <a:effectLst/>
+                          <a:latin typeface="Arial" pitchFamily="34" charset="0"/>
+                          <a:cs typeface="Arial" pitchFamily="34" charset="0"/>
+                        </a:rPr>
+                        <a:t>Capacidad de cómputo</a:t>
+                      </a:r>
+                      <a:endParaRPr lang="es-ES" sz="2000" dirty="0">
+                        <a:effectLst/>
+                        <a:latin typeface="Arial" pitchFamily="34" charset="0"/>
+                        <a:cs typeface="Arial" pitchFamily="34" charset="0"/>
+                      </a:endParaRPr>
+                    </a:p>
+                  </a:txBody>
+                  <a:tcPr marL="66675" marR="66675" marT="66675" marB="66675" anchor="ctr"/>
+                </a:tc>
+                <a:tc>
+                  <a:txBody>
+                    <a:bodyPr/>
+                    <a:lstStyle/>
+                    <a:p>
+                      <a:pPr algn="ctr" fontAlgn="t"/>
+                      <a:r>
+                        <a:rPr lang="es-ES" sz="1200" u="none" strike="noStrike" dirty="0">
+                          <a:effectLst/>
+                          <a:latin typeface="Arial" pitchFamily="34" charset="0"/>
+                          <a:cs typeface="Arial" pitchFamily="34" charset="0"/>
+                        </a:rPr>
+                        <a:t>2.0</a:t>
+                      </a:r>
+                      <a:endParaRPr lang="es-ES" sz="2000" dirty="0">
+                        <a:effectLst/>
+                        <a:latin typeface="Arial" pitchFamily="34" charset="0"/>
+                        <a:cs typeface="Arial" pitchFamily="34" charset="0"/>
+                      </a:endParaRPr>
+                    </a:p>
+                  </a:txBody>
+                  <a:tcPr marL="66675" marR="66675" marT="66675" marB="66675" anchor="ctr"/>
+                </a:tc>
+                <a:tc>
+                  <a:txBody>
+                    <a:bodyPr/>
+                    <a:lstStyle/>
+                    <a:p>
+                      <a:pPr algn="ctr" fontAlgn="t"/>
+                      <a:r>
+                        <a:rPr lang="es-ES" sz="1200" u="none" strike="noStrike" dirty="0">
+                          <a:effectLst/>
+                          <a:latin typeface="Arial" pitchFamily="34" charset="0"/>
+                          <a:cs typeface="Arial" pitchFamily="34" charset="0"/>
+                        </a:rPr>
+                        <a:t>1.3</a:t>
+                      </a:r>
+                      <a:endParaRPr lang="es-ES" sz="2000" dirty="0">
+                        <a:effectLst/>
+                        <a:latin typeface="Arial" pitchFamily="34" charset="0"/>
+                        <a:cs typeface="Arial" pitchFamily="34" charset="0"/>
+                      </a:endParaRPr>
+                    </a:p>
+                  </a:txBody>
+                  <a:tcPr marL="66675" marR="66675" marT="66675" marB="66675" anchor="ctr"/>
+                </a:tc>
+              </a:tr>
+              <a:tr h="370840">
+                <a:tc>
+                  <a:txBody>
+                    <a:bodyPr/>
+                    <a:lstStyle/>
+                    <a:p>
+                      <a:pPr algn="l" fontAlgn="t"/>
+                      <a:r>
+                        <a:rPr lang="es-ES" sz="1200" u="none" strike="noStrike" dirty="0" smtClean="0">
+                          <a:effectLst/>
+                          <a:latin typeface="Arial" pitchFamily="34" charset="0"/>
+                          <a:cs typeface="Arial" pitchFamily="34" charset="0"/>
+                        </a:rPr>
+                        <a:t>Numero de Multiprocesadores/núcleos</a:t>
+                      </a:r>
+                      <a:endParaRPr lang="es-ES" sz="2000" dirty="0">
+                        <a:effectLst/>
+                        <a:latin typeface="Arial" pitchFamily="34" charset="0"/>
+                        <a:cs typeface="Arial" pitchFamily="34" charset="0"/>
+                      </a:endParaRPr>
+                    </a:p>
+                  </a:txBody>
+                  <a:tcPr marL="66675" marR="66675" marT="66675" marB="66675" anchor="ctr"/>
+                </a:tc>
+                <a:tc>
+                  <a:txBody>
+                    <a:bodyPr/>
+                    <a:lstStyle/>
+                    <a:p>
+                      <a:pPr algn="ctr" fontAlgn="t"/>
+                      <a:r>
+                        <a:rPr lang="es-ES" sz="1200" u="none" strike="noStrike" dirty="0">
+                          <a:effectLst/>
+                          <a:latin typeface="Arial" pitchFamily="34" charset="0"/>
+                          <a:cs typeface="Arial" pitchFamily="34" charset="0"/>
+                        </a:rPr>
+                        <a:t>14 (32 núcleos)</a:t>
+                      </a:r>
+                      <a:endParaRPr lang="es-ES" sz="2000" dirty="0">
+                        <a:effectLst/>
+                        <a:latin typeface="Arial" pitchFamily="34" charset="0"/>
+                        <a:cs typeface="Arial" pitchFamily="34" charset="0"/>
+                      </a:endParaRPr>
+                    </a:p>
+                  </a:txBody>
+                  <a:tcPr marL="66675" marR="66675" marT="66675" marB="66675" anchor="ctr"/>
+                </a:tc>
+                <a:tc>
+                  <a:txBody>
+                    <a:bodyPr/>
+                    <a:lstStyle/>
+                    <a:p>
+                      <a:pPr algn="ctr" fontAlgn="t"/>
+                      <a:r>
+                        <a:rPr lang="es-ES" sz="1200" u="none" strike="noStrike">
+                          <a:effectLst/>
+                          <a:latin typeface="Arial" pitchFamily="34" charset="0"/>
+                          <a:cs typeface="Arial" pitchFamily="34" charset="0"/>
+                        </a:rPr>
+                        <a:t>30 (8 núcleos)</a:t>
+                      </a:r>
+                      <a:endParaRPr lang="es-ES" sz="2000">
+                        <a:effectLst/>
+                        <a:latin typeface="Arial" pitchFamily="34" charset="0"/>
+                        <a:cs typeface="Arial" pitchFamily="34" charset="0"/>
+                      </a:endParaRPr>
+                    </a:p>
+                  </a:txBody>
+                  <a:tcPr marL="66675" marR="66675" marT="66675" marB="66675" anchor="ctr"/>
+                </a:tc>
+              </a:tr>
+              <a:tr h="370840">
+                <a:tc>
+                  <a:txBody>
+                    <a:bodyPr/>
+                    <a:lstStyle/>
+                    <a:p>
+                      <a:pPr algn="l" fontAlgn="t"/>
+                      <a:r>
+                        <a:rPr lang="es-ES" sz="1200" u="none" strike="noStrike">
+                          <a:effectLst/>
+                          <a:latin typeface="Arial" pitchFamily="34" charset="0"/>
+                          <a:cs typeface="Arial" pitchFamily="34" charset="0"/>
+                        </a:rPr>
+                        <a:t>Total de Núcleos</a:t>
+                      </a:r>
+                      <a:endParaRPr lang="es-ES" sz="2000">
+                        <a:effectLst/>
+                        <a:latin typeface="Arial" pitchFamily="34" charset="0"/>
+                        <a:cs typeface="Arial" pitchFamily="34" charset="0"/>
+                      </a:endParaRPr>
+                    </a:p>
+                  </a:txBody>
+                  <a:tcPr marL="66675" marR="66675" marT="66675" marB="66675" anchor="ctr"/>
+                </a:tc>
+                <a:tc>
+                  <a:txBody>
+                    <a:bodyPr/>
+                    <a:lstStyle/>
+                    <a:p>
+                      <a:pPr algn="ctr" fontAlgn="t"/>
+                      <a:r>
+                        <a:rPr lang="es-ES" sz="1200" u="none" strike="noStrike" dirty="0">
+                          <a:effectLst/>
+                          <a:latin typeface="Arial" pitchFamily="34" charset="0"/>
+                          <a:cs typeface="Arial" pitchFamily="34" charset="0"/>
+                        </a:rPr>
+                        <a:t>448</a:t>
+                      </a:r>
+                      <a:endParaRPr lang="es-ES" sz="2000" dirty="0">
+                        <a:effectLst/>
+                        <a:latin typeface="Arial" pitchFamily="34" charset="0"/>
+                        <a:cs typeface="Arial" pitchFamily="34" charset="0"/>
+                      </a:endParaRPr>
+                    </a:p>
+                  </a:txBody>
+                  <a:tcPr marL="66675" marR="66675" marT="66675" marB="66675" anchor="ctr"/>
+                </a:tc>
+                <a:tc>
+                  <a:txBody>
+                    <a:bodyPr/>
+                    <a:lstStyle/>
+                    <a:p>
+                      <a:pPr algn="ctr" fontAlgn="t"/>
+                      <a:r>
+                        <a:rPr lang="es-ES" sz="1200" u="none" strike="noStrike" dirty="0">
+                          <a:effectLst/>
+                          <a:latin typeface="Arial" pitchFamily="34" charset="0"/>
+                          <a:cs typeface="Arial" pitchFamily="34" charset="0"/>
+                        </a:rPr>
+                        <a:t>240</a:t>
+                      </a:r>
+                      <a:endParaRPr lang="es-ES" sz="2000" dirty="0">
+                        <a:effectLst/>
+                        <a:latin typeface="Arial" pitchFamily="34" charset="0"/>
+                        <a:cs typeface="Arial" pitchFamily="34" charset="0"/>
+                      </a:endParaRPr>
+                    </a:p>
+                  </a:txBody>
+                  <a:tcPr marL="66675" marR="66675" marT="66675" marB="66675" anchor="ctr"/>
+                </a:tc>
+              </a:tr>
+              <a:tr h="370840">
+                <a:tc>
+                  <a:txBody>
+                    <a:bodyPr/>
+                    <a:lstStyle/>
+                    <a:p>
+                      <a:pPr algn="l" fontAlgn="t"/>
+                      <a:r>
+                        <a:rPr lang="es-ES" sz="1200" u="none" strike="noStrike" dirty="0">
+                          <a:effectLst/>
+                          <a:latin typeface="Arial" pitchFamily="34" charset="0"/>
+                          <a:cs typeface="Arial" pitchFamily="34" charset="0"/>
+                        </a:rPr>
+                        <a:t>Memoria Global</a:t>
+                      </a:r>
+                      <a:endParaRPr lang="es-ES" sz="2000" dirty="0">
+                        <a:effectLst/>
+                        <a:latin typeface="Arial" pitchFamily="34" charset="0"/>
+                        <a:cs typeface="Arial" pitchFamily="34" charset="0"/>
+                      </a:endParaRPr>
+                    </a:p>
+                  </a:txBody>
+                  <a:tcPr marL="66675" marR="66675" marT="66675" marB="66675" anchor="ctr"/>
+                </a:tc>
+                <a:tc>
+                  <a:txBody>
+                    <a:bodyPr/>
+                    <a:lstStyle/>
+                    <a:p>
+                      <a:pPr algn="ctr" fontAlgn="t"/>
+                      <a:r>
+                        <a:rPr lang="es-ES" sz="1200" u="none" strike="noStrike" dirty="0">
+                          <a:effectLst/>
+                          <a:latin typeface="Arial" pitchFamily="34" charset="0"/>
+                          <a:cs typeface="Arial" pitchFamily="34" charset="0"/>
+                        </a:rPr>
+                        <a:t>2.62Gb</a:t>
+                      </a:r>
+                      <a:endParaRPr lang="es-ES" sz="2000" dirty="0">
+                        <a:effectLst/>
+                        <a:latin typeface="Arial" pitchFamily="34" charset="0"/>
+                        <a:cs typeface="Arial" pitchFamily="34" charset="0"/>
+                      </a:endParaRPr>
+                    </a:p>
+                  </a:txBody>
+                  <a:tcPr marL="66675" marR="66675" marT="66675" marB="66675" anchor="ctr"/>
+                </a:tc>
+                <a:tc>
+                  <a:txBody>
+                    <a:bodyPr/>
+                    <a:lstStyle/>
+                    <a:p>
+                      <a:pPr algn="ctr" fontAlgn="t"/>
+                      <a:r>
+                        <a:rPr lang="es-ES" sz="1200" u="none" strike="noStrike" dirty="0">
+                          <a:effectLst/>
+                          <a:latin typeface="Arial" pitchFamily="34" charset="0"/>
+                          <a:cs typeface="Arial" pitchFamily="34" charset="0"/>
+                        </a:rPr>
+                        <a:t>4Gb</a:t>
+                      </a:r>
+                      <a:endParaRPr lang="es-ES" sz="2000" dirty="0">
+                        <a:effectLst/>
+                        <a:latin typeface="Arial" pitchFamily="34" charset="0"/>
+                        <a:cs typeface="Arial" pitchFamily="34" charset="0"/>
+                      </a:endParaRPr>
+                    </a:p>
+                  </a:txBody>
+                  <a:tcPr marL="66675" marR="66675" marT="66675" marB="66675" anchor="ctr"/>
+                </a:tc>
+              </a:tr>
+              <a:tr h="370840">
+                <a:tc>
+                  <a:txBody>
+                    <a:bodyPr/>
+                    <a:lstStyle/>
+                    <a:p>
+                      <a:pPr algn="l" fontAlgn="t"/>
+                      <a:r>
+                        <a:rPr lang="es-ES" sz="1200" u="none" strike="noStrike" dirty="0">
+                          <a:effectLst/>
+                          <a:latin typeface="Arial" pitchFamily="34" charset="0"/>
+                          <a:cs typeface="Arial" pitchFamily="34" charset="0"/>
+                        </a:rPr>
+                        <a:t>Memoria Compartida/bloque</a:t>
+                      </a:r>
+                      <a:endParaRPr lang="es-ES" sz="2000" dirty="0">
+                        <a:effectLst/>
+                        <a:latin typeface="Arial" pitchFamily="34" charset="0"/>
+                        <a:cs typeface="Arial" pitchFamily="34" charset="0"/>
+                      </a:endParaRPr>
+                    </a:p>
+                  </a:txBody>
+                  <a:tcPr marL="66675" marR="66675" marT="66675" marB="66675" anchor="ctr"/>
+                </a:tc>
+                <a:tc>
+                  <a:txBody>
+                    <a:bodyPr/>
+                    <a:lstStyle/>
+                    <a:p>
+                      <a:pPr algn="ctr" fontAlgn="t"/>
+                      <a:r>
+                        <a:rPr lang="es-ES" sz="1200" u="none" strike="noStrike" dirty="0">
+                          <a:effectLst/>
+                          <a:latin typeface="Arial" pitchFamily="34" charset="0"/>
+                          <a:cs typeface="Arial" pitchFamily="34" charset="0"/>
+                        </a:rPr>
+                        <a:t>48Kb</a:t>
+                      </a:r>
+                      <a:endParaRPr lang="es-ES" sz="2000" dirty="0">
+                        <a:effectLst/>
+                        <a:latin typeface="Arial" pitchFamily="34" charset="0"/>
+                        <a:cs typeface="Arial" pitchFamily="34" charset="0"/>
+                      </a:endParaRPr>
+                    </a:p>
+                  </a:txBody>
+                  <a:tcPr marL="66675" marR="66675" marT="66675" marB="66675" anchor="ctr"/>
+                </a:tc>
+                <a:tc>
+                  <a:txBody>
+                    <a:bodyPr/>
+                    <a:lstStyle/>
+                    <a:p>
+                      <a:pPr algn="ctr" fontAlgn="t"/>
+                      <a:r>
+                        <a:rPr lang="es-ES" sz="1200" u="none" strike="noStrike" dirty="0">
+                          <a:effectLst/>
+                          <a:latin typeface="Arial" pitchFamily="34" charset="0"/>
+                          <a:cs typeface="Arial" pitchFamily="34" charset="0"/>
+                        </a:rPr>
+                        <a:t>16Kb</a:t>
+                      </a:r>
+                      <a:endParaRPr lang="es-ES" sz="2000" dirty="0">
+                        <a:effectLst/>
+                        <a:latin typeface="Arial" pitchFamily="34" charset="0"/>
+                        <a:cs typeface="Arial" pitchFamily="34" charset="0"/>
+                      </a:endParaRPr>
+                    </a:p>
+                  </a:txBody>
+                  <a:tcPr marL="66675" marR="66675" marT="66675" marB="66675" anchor="ctr"/>
+                </a:tc>
+              </a:tr>
+              <a:tr h="370840">
+                <a:tc>
+                  <a:txBody>
+                    <a:bodyPr/>
+                    <a:lstStyle/>
+                    <a:p>
+                      <a:pPr algn="l" fontAlgn="t"/>
+                      <a:r>
+                        <a:rPr lang="es-ES" sz="1200" u="none" strike="noStrike">
+                          <a:effectLst/>
+                          <a:latin typeface="Arial" pitchFamily="34" charset="0"/>
+                          <a:cs typeface="Arial" pitchFamily="34" charset="0"/>
+                        </a:rPr>
+                        <a:t>Máximo hilos/bloque</a:t>
+                      </a:r>
+                      <a:endParaRPr lang="es-ES" sz="2000">
+                        <a:effectLst/>
+                        <a:latin typeface="Arial" pitchFamily="34" charset="0"/>
+                        <a:cs typeface="Arial" pitchFamily="34" charset="0"/>
+                      </a:endParaRPr>
+                    </a:p>
+                  </a:txBody>
+                  <a:tcPr marL="66675" marR="66675" marT="66675" marB="66675" anchor="ctr"/>
+                </a:tc>
+                <a:tc>
+                  <a:txBody>
+                    <a:bodyPr/>
+                    <a:lstStyle/>
+                    <a:p>
+                      <a:pPr algn="ctr" fontAlgn="t"/>
+                      <a:r>
+                        <a:rPr lang="es-ES" sz="1200" u="none" strike="noStrike">
+                          <a:effectLst/>
+                          <a:latin typeface="Arial" pitchFamily="34" charset="0"/>
+                          <a:cs typeface="Arial" pitchFamily="34" charset="0"/>
+                        </a:rPr>
+                        <a:t>1024</a:t>
+                      </a:r>
+                      <a:endParaRPr lang="es-ES" sz="2000">
+                        <a:effectLst/>
+                        <a:latin typeface="Arial" pitchFamily="34" charset="0"/>
+                        <a:cs typeface="Arial" pitchFamily="34" charset="0"/>
+                      </a:endParaRPr>
+                    </a:p>
+                  </a:txBody>
+                  <a:tcPr marL="66675" marR="66675" marT="66675" marB="66675" anchor="ctr"/>
+                </a:tc>
+                <a:tc>
+                  <a:txBody>
+                    <a:bodyPr/>
+                    <a:lstStyle/>
+                    <a:p>
+                      <a:pPr algn="ctr" fontAlgn="t"/>
+                      <a:r>
+                        <a:rPr lang="es-ES" sz="1200" u="none" strike="noStrike" dirty="0">
+                          <a:effectLst/>
+                          <a:latin typeface="Arial" pitchFamily="34" charset="0"/>
+                          <a:cs typeface="Arial" pitchFamily="34" charset="0"/>
+                        </a:rPr>
+                        <a:t>512</a:t>
+                      </a:r>
+                      <a:endParaRPr lang="es-ES" sz="2000" dirty="0">
+                        <a:effectLst/>
+                        <a:latin typeface="Arial" pitchFamily="34" charset="0"/>
+                        <a:cs typeface="Arial" pitchFamily="34" charset="0"/>
+                      </a:endParaRPr>
+                    </a:p>
+                  </a:txBody>
+                  <a:tcPr marL="66675" marR="66675" marT="66675" marB="66675" anchor="ctr"/>
+                </a:tc>
+              </a:tr>
+              <a:tr h="370840">
+                <a:tc>
+                  <a:txBody>
+                    <a:bodyPr/>
+                    <a:lstStyle/>
+                    <a:p>
+                      <a:pPr algn="l" fontAlgn="t"/>
+                      <a:r>
+                        <a:rPr lang="es-ES" sz="1200" u="none" strike="noStrike">
+                          <a:effectLst/>
+                          <a:latin typeface="Arial" pitchFamily="34" charset="0"/>
+                          <a:cs typeface="Arial" pitchFamily="34" charset="0"/>
+                        </a:rPr>
+                        <a:t>Dimensión Max. bloque</a:t>
+                      </a:r>
+                      <a:endParaRPr lang="es-ES" sz="2000">
+                        <a:effectLst/>
+                        <a:latin typeface="Arial" pitchFamily="34" charset="0"/>
+                        <a:cs typeface="Arial" pitchFamily="34" charset="0"/>
+                      </a:endParaRPr>
+                    </a:p>
+                  </a:txBody>
+                  <a:tcPr marL="66675" marR="66675" marT="66675" marB="66675" anchor="ctr"/>
+                </a:tc>
+                <a:tc>
+                  <a:txBody>
+                    <a:bodyPr/>
+                    <a:lstStyle/>
+                    <a:p>
+                      <a:pPr algn="ctr" fontAlgn="t"/>
+                      <a:r>
+                        <a:rPr lang="es-ES" sz="1200" u="none" strike="noStrike" dirty="0">
+                          <a:effectLst/>
+                          <a:latin typeface="Arial" pitchFamily="34" charset="0"/>
+                          <a:cs typeface="Arial" pitchFamily="34" charset="0"/>
+                        </a:rPr>
+                        <a:t>1024 x 1024 x 64</a:t>
+                      </a:r>
+                      <a:endParaRPr lang="es-ES" sz="2000" dirty="0">
+                        <a:effectLst/>
+                        <a:latin typeface="Arial" pitchFamily="34" charset="0"/>
+                        <a:cs typeface="Arial" pitchFamily="34" charset="0"/>
+                      </a:endParaRPr>
+                    </a:p>
+                  </a:txBody>
+                  <a:tcPr marL="66675" marR="66675" marT="66675" marB="66675" anchor="ctr"/>
+                </a:tc>
+                <a:tc>
+                  <a:txBody>
+                    <a:bodyPr/>
+                    <a:lstStyle/>
+                    <a:p>
+                      <a:pPr algn="ctr" fontAlgn="t"/>
+                      <a:r>
+                        <a:rPr lang="es-ES" sz="1200" u="none" strike="noStrike" dirty="0">
+                          <a:effectLst/>
+                          <a:latin typeface="Arial" pitchFamily="34" charset="0"/>
+                          <a:cs typeface="Arial" pitchFamily="34" charset="0"/>
+                        </a:rPr>
+                        <a:t>512 x 512 x 64</a:t>
+                      </a:r>
+                      <a:endParaRPr lang="es-ES" sz="2000" dirty="0">
+                        <a:effectLst/>
+                        <a:latin typeface="Arial" pitchFamily="34" charset="0"/>
+                        <a:cs typeface="Arial" pitchFamily="34" charset="0"/>
+                      </a:endParaRPr>
+                    </a:p>
+                  </a:txBody>
+                  <a:tcPr marL="66675" marR="66675" marT="66675" marB="66675" anchor="ctr"/>
+                </a:tc>
+              </a:tr>
+              <a:tr h="370840">
+                <a:tc>
+                  <a:txBody>
+                    <a:bodyPr/>
+                    <a:lstStyle/>
+                    <a:p>
+                      <a:pPr algn="l" fontAlgn="t"/>
+                      <a:r>
+                        <a:rPr lang="es-ES" sz="1200" u="none" strike="noStrike">
+                          <a:effectLst/>
+                          <a:latin typeface="Arial" pitchFamily="34" charset="0"/>
+                          <a:cs typeface="Arial" pitchFamily="34" charset="0"/>
+                        </a:rPr>
+                        <a:t>Dimensión Max. grid</a:t>
+                      </a:r>
+                      <a:endParaRPr lang="es-ES" sz="2000">
+                        <a:effectLst/>
+                        <a:latin typeface="Arial" pitchFamily="34" charset="0"/>
+                        <a:cs typeface="Arial" pitchFamily="34" charset="0"/>
+                      </a:endParaRPr>
+                    </a:p>
+                  </a:txBody>
+                  <a:tcPr marL="66675" marR="66675" marT="66675" marB="66675" anchor="ctr"/>
+                </a:tc>
+                <a:tc>
+                  <a:txBody>
+                    <a:bodyPr/>
+                    <a:lstStyle/>
+                    <a:p>
+                      <a:pPr algn="ctr" fontAlgn="t"/>
+                      <a:r>
+                        <a:rPr lang="es-ES" sz="1200" u="none" strike="noStrike">
+                          <a:effectLst/>
+                          <a:latin typeface="Arial" pitchFamily="34" charset="0"/>
+                          <a:cs typeface="Arial" pitchFamily="34" charset="0"/>
+                        </a:rPr>
+                        <a:t>65535 x 65535 x 1</a:t>
+                      </a:r>
+                      <a:endParaRPr lang="es-ES" sz="2000">
+                        <a:effectLst/>
+                        <a:latin typeface="Arial" pitchFamily="34" charset="0"/>
+                        <a:cs typeface="Arial" pitchFamily="34" charset="0"/>
+                      </a:endParaRPr>
+                    </a:p>
+                  </a:txBody>
+                  <a:tcPr marL="66675" marR="66675" marT="66675" marB="66675" anchor="ctr"/>
+                </a:tc>
+                <a:tc>
+                  <a:txBody>
+                    <a:bodyPr/>
+                    <a:lstStyle/>
+                    <a:p>
+                      <a:pPr algn="ctr" fontAlgn="t"/>
+                      <a:r>
+                        <a:rPr lang="es-ES" sz="1200" u="none" strike="noStrike" dirty="0">
+                          <a:effectLst/>
+                          <a:latin typeface="Arial" pitchFamily="34" charset="0"/>
+                          <a:cs typeface="Arial" pitchFamily="34" charset="0"/>
+                        </a:rPr>
+                        <a:t>65535 x 65535 x 1</a:t>
+                      </a:r>
+                      <a:endParaRPr lang="es-ES" sz="2000" dirty="0">
+                        <a:effectLst/>
+                        <a:latin typeface="Arial" pitchFamily="34" charset="0"/>
+                        <a:cs typeface="Arial" pitchFamily="34" charset="0"/>
+                      </a:endParaRPr>
+                    </a:p>
+                  </a:txBody>
+                  <a:tcPr marL="66675" marR="66675" marT="66675" marB="66675" anchor="ctr"/>
+                </a:tc>
+              </a:tr>
+            </a:tbl>
+          </a:graphicData>
+        </a:graphic>
+      </p:graphicFrame>
+    </p:spTree>
+    <p:extLst>
+      <p:ext uri="{BB962C8B-B14F-4D97-AF65-F5344CB8AC3E}">
+        <p14:creationId xmlns:p14="http://schemas.microsoft.com/office/powerpoint/2010/main" val="267484277"/>
+      </p:ext>
+    </p:extLst>
+  </p:cSld>
+  <p:clrMapOvr>
+    <a:masterClrMapping/>
+  </p:clrMapOvr>
+</p:sld>
+</file>
+
+<file path=ppt/slides/slide13.xml><?xml version="1.0" encoding="utf-8"?>
+<p:sld xmlns:a="http://schemas.openxmlformats.org/drawingml/2006/main" xmlns:r="http://schemas.openxmlformats.org/officeDocument/2006/relationships" xmlns:p="http://schemas.openxmlformats.org/presentationml/2006/main">
+  <p:cSld>
+    <p:spTree>
+      <p:nvGrpSpPr>
+        <p:cNvPr id="1" name=""/>
+        <p:cNvGrpSpPr/>
+        <p:nvPr/>
+      </p:nvGrpSpPr>
+      <p:grpSpPr>
+        <a:xfrm>
+          <a:off x="0" y="0"/>
+          <a:ext cx="0" cy="0"/>
+          <a:chOff x="0" y="0"/>
+          <a:chExt cx="0" cy="0"/>
+        </a:xfrm>
+      </p:grpSpPr>
+      <p:sp>
+        <p:nvSpPr>
+          <p:cNvPr id="2" name="1 Título"/>
+          <p:cNvSpPr>
+            <a:spLocks noGrp="1"/>
+          </p:cNvSpPr>
+          <p:nvPr>
+            <p:ph type="title"/>
+          </p:nvPr>
+        </p:nvSpPr>
+        <p:spPr/>
+        <p:txBody>
           <a:bodyPr>
             <a:normAutofit/>
           </a:bodyPr>
@@ -4118,11 +5384,11 @@
           <a:p>
             <a:r>
               <a:rPr lang="es-ES_tradnl" dirty="0" smtClean="0"/>
-              <a:t>«Hola mundo» en </a:t>
+              <a:t>«Hola </a:t>
             </a:r>
             <a:r>
               <a:rPr lang="es-ES_tradnl" dirty="0" smtClean="0"/>
-              <a:t>PyCUDA</a:t>
+              <a:t>mundo» en PyCUDA</a:t>
             </a:r>
             <a:endParaRPr lang="es-ES" dirty="0"/>
           </a:p>
@@ -4142,6 +5408,10 @@
         <p:txBody>
           <a:bodyPr/>
           <a:lstStyle/>
+          <a:p>
+            <a:pPr lvl="0"/>
+            <a:endParaRPr lang="es-ES" dirty="0" smtClean="0"/>
+          </a:p>
           <a:p>
             <a:pPr lvl="0"/>
             <a:r>
@@ -4163,41 +5433,224 @@
           </a:p>
           <a:p>
             <a:pPr lvl="0"/>
+            <a:endParaRPr lang="es-ES" dirty="0" smtClean="0"/>
+          </a:p>
+          <a:p>
+            <a:r>
+              <a:rPr lang="es-ES" dirty="0" smtClean="0"/>
+              <a:t>Carga de los datos en la memoria.</a:t>
+            </a:r>
+          </a:p>
+          <a:p>
+            <a:endParaRPr lang="es-ES_tradnl" dirty="0" smtClean="0"/>
+          </a:p>
+          <a:p>
+            <a:endParaRPr lang="es-ES_tradnl" dirty="0" smtClean="0"/>
+          </a:p>
+          <a:p>
+            <a:pPr lvl="0"/>
+            <a:r>
+              <a:rPr lang="es-ES" dirty="0" smtClean="0"/>
+              <a:t>Reserva de espacio en el dispositivo.</a:t>
+            </a:r>
+          </a:p>
+          <a:p>
             <a:endParaRPr lang="es-ES" dirty="0"/>
           </a:p>
-          <a:p>
-            <a:r>
-              <a:rPr lang="es-ES" dirty="0"/>
-              <a:t>Carga de los datos en la </a:t>
-            </a:r>
-            <a:r>
-              <a:rPr lang="es-ES" dirty="0" smtClean="0"/>
-              <a:t>memoria.</a:t>
-            </a:r>
-          </a:p>
-          <a:p>
-            <a:endParaRPr lang="es-ES_tradnl" dirty="0" smtClean="0"/>
-          </a:p>
-          <a:p>
-            <a:endParaRPr lang="es-ES_tradnl" dirty="0"/>
-          </a:p>
-          <a:p>
-            <a:pPr lvl="0"/>
-            <a:r>
-              <a:rPr lang="es-ES" dirty="0"/>
-              <a:t>Reserva de espacio en el </a:t>
-            </a:r>
-            <a:r>
-              <a:rPr lang="es-ES" dirty="0" smtClean="0"/>
-              <a:t>dispositivo.</a:t>
-            </a:r>
-            <a:endParaRPr lang="es-ES" dirty="0"/>
-          </a:p>
-          <a:p>
-            <a:endParaRPr lang="es-ES" dirty="0"/>
-          </a:p>
-        </p:txBody>
-      </p:sp>
+        </p:txBody>
+      </p:sp>
+      <p:pic>
+        <p:nvPicPr>
+          <p:cNvPr id="1026" name="Picture 2"/>
+          <p:cNvPicPr>
+            <a:picLocks noChangeAspect="1" noChangeArrowheads="1"/>
+          </p:cNvPicPr>
+          <p:nvPr/>
+        </p:nvPicPr>
+        <p:blipFill>
+          <a:blip r:embed="rId2">
+            <a:extLst>
+              <a:ext uri="{28A0092B-C50C-407E-A947-70E740481C1C}">
+                <a14:useLocalDpi xmlns:a14="http://schemas.microsoft.com/office/drawing/2010/main" val="0"/>
+              </a:ext>
+            </a:extLst>
+          </a:blip>
+          <a:srcRect/>
+          <a:stretch>
+            <a:fillRect/>
+          </a:stretch>
+        </p:blipFill>
+        <p:spPr bwMode="auto">
+          <a:xfrm>
+            <a:off x="1259632" y="2991014"/>
+            <a:ext cx="4824536" cy="687367"/>
+          </a:xfrm>
+          <a:prstGeom prst="rect">
+            <a:avLst/>
+          </a:prstGeom>
+          <a:noFill/>
+          <a:ln>
+            <a:noFill/>
+          </a:ln>
+          <a:effectLst/>
+          <a:extLst>
+            <a:ext uri="{909E8E84-426E-40DD-AFC4-6F175D3DCCD1}">
+              <a14:hiddenFill xmlns:a14="http://schemas.microsoft.com/office/drawing/2010/main">
+                <a:solidFill>
+                  <a:schemeClr val="accent1"/>
+                </a:solidFill>
+              </a14:hiddenFill>
+            </a:ext>
+            <a:ext uri="{91240B29-F687-4F45-9708-019B960494DF}">
+              <a14:hiddenLine xmlns:a14="http://schemas.microsoft.com/office/drawing/2010/main" w="9525">
+                <a:solidFill>
+                  <a:schemeClr val="tx1"/>
+                </a:solidFill>
+                <a:miter lim="800000"/>
+                <a:headEnd/>
+                <a:tailEnd/>
+              </a14:hiddenLine>
+            </a:ext>
+            <a:ext uri="{AF507438-7753-43E0-B8FC-AC1667EBCBE1}">
+              <a14:hiddenEffects xmlns:a14="http://schemas.microsoft.com/office/drawing/2010/main">
+                <a:effectLst>
+                  <a:outerShdw dist="35921" dir="2700000" algn="ctr" rotWithShape="0">
+                    <a:schemeClr val="bg2"/>
+                  </a:outerShdw>
+                </a:effectLst>
+              </a14:hiddenEffects>
+            </a:ext>
+          </a:extLst>
+        </p:spPr>
+      </p:pic>
+      <p:pic>
+        <p:nvPicPr>
+          <p:cNvPr id="1027" name="Picture 3"/>
+          <p:cNvPicPr>
+            <a:picLocks noChangeAspect="1" noChangeArrowheads="1"/>
+          </p:cNvPicPr>
+          <p:nvPr/>
+        </p:nvPicPr>
+        <p:blipFill>
+          <a:blip r:embed="rId3">
+            <a:extLst>
+              <a:ext uri="{28A0092B-C50C-407E-A947-70E740481C1C}">
+                <a14:useLocalDpi xmlns:a14="http://schemas.microsoft.com/office/drawing/2010/main" val="0"/>
+              </a:ext>
+            </a:extLst>
+          </a:blip>
+          <a:srcRect/>
+          <a:stretch>
+            <a:fillRect/>
+          </a:stretch>
+        </p:blipFill>
+        <p:spPr bwMode="auto">
+          <a:xfrm>
+            <a:off x="1259632" y="4359166"/>
+            <a:ext cx="6233293" cy="515955"/>
+          </a:xfrm>
+          <a:prstGeom prst="rect">
+            <a:avLst/>
+          </a:prstGeom>
+          <a:noFill/>
+          <a:ln>
+            <a:noFill/>
+          </a:ln>
+          <a:effectLst/>
+          <a:extLst>
+            <a:ext uri="{909E8E84-426E-40DD-AFC4-6F175D3DCCD1}">
+              <a14:hiddenFill xmlns:a14="http://schemas.microsoft.com/office/drawing/2010/main">
+                <a:solidFill>
+                  <a:schemeClr val="accent1"/>
+                </a:solidFill>
+              </a14:hiddenFill>
+            </a:ext>
+            <a:ext uri="{91240B29-F687-4F45-9708-019B960494DF}">
+              <a14:hiddenLine xmlns:a14="http://schemas.microsoft.com/office/drawing/2010/main" w="9525">
+                <a:solidFill>
+                  <a:schemeClr val="tx1"/>
+                </a:solidFill>
+                <a:miter lim="800000"/>
+                <a:headEnd/>
+                <a:tailEnd/>
+              </a14:hiddenLine>
+            </a:ext>
+            <a:ext uri="{AF507438-7753-43E0-B8FC-AC1667EBCBE1}">
+              <a14:hiddenEffects xmlns:a14="http://schemas.microsoft.com/office/drawing/2010/main">
+                <a:effectLst>
+                  <a:outerShdw dist="35921" dir="2700000" algn="ctr" rotWithShape="0">
+                    <a:schemeClr val="bg2"/>
+                  </a:outerShdw>
+                </a:effectLst>
+              </a14:hiddenEffects>
+            </a:ext>
+          </a:extLst>
+        </p:spPr>
+      </p:pic>
+      <p:pic>
+        <p:nvPicPr>
+          <p:cNvPr id="1029" name="Picture 5"/>
+          <p:cNvPicPr>
+            <a:picLocks noChangeAspect="1" noChangeArrowheads="1"/>
+          </p:cNvPicPr>
+          <p:nvPr/>
+        </p:nvPicPr>
+        <p:blipFill>
+          <a:blip r:embed="rId4">
+            <a:extLst>
+              <a:ext uri="{28A0092B-C50C-407E-A947-70E740481C1C}">
+                <a14:useLocalDpi xmlns:a14="http://schemas.microsoft.com/office/drawing/2010/main" val="0"/>
+              </a:ext>
+            </a:extLst>
+          </a:blip>
+          <a:srcRect/>
+          <a:stretch>
+            <a:fillRect/>
+          </a:stretch>
+        </p:blipFill>
+        <p:spPr bwMode="auto">
+          <a:xfrm>
+            <a:off x="1259632" y="5799325"/>
+            <a:ext cx="3888432" cy="293971"/>
+          </a:xfrm>
+          <a:prstGeom prst="rect">
+            <a:avLst/>
+          </a:prstGeom>
+          <a:noFill/>
+          <a:ln>
+            <a:noFill/>
+          </a:ln>
+          <a:effectLst/>
+          <a:extLst>
+            <a:ext uri="{909E8E84-426E-40DD-AFC4-6F175D3DCCD1}">
+              <a14:hiddenFill xmlns:a14="http://schemas.microsoft.com/office/drawing/2010/main">
+                <a:solidFill>
+                  <a:schemeClr val="accent1"/>
+                </a:solidFill>
+              </a14:hiddenFill>
+            </a:ext>
+            <a:ext uri="{91240B29-F687-4F45-9708-019B960494DF}">
+              <a14:hiddenLine xmlns:a14="http://schemas.microsoft.com/office/drawing/2010/main" w="9525">
+                <a:solidFill>
+                  <a:schemeClr val="tx1"/>
+                </a:solidFill>
+                <a:miter lim="800000"/>
+                <a:headEnd/>
+                <a:tailEnd/>
+              </a14:hiddenLine>
+            </a:ext>
+            <a:ext uri="{AF507438-7753-43E0-B8FC-AC1667EBCBE1}">
+              <a14:hiddenEffects xmlns:a14="http://schemas.microsoft.com/office/drawing/2010/main">
+                <a:effectLst>
+                  <a:outerShdw dist="35921" dir="2700000" algn="ctr" rotWithShape="0">
+                    <a:schemeClr val="bg2"/>
+                  </a:outerShdw>
+                </a:effectLst>
+              </a14:hiddenEffects>
+            </a:ext>
+          </a:extLst>
+        </p:spPr>
+      </p:pic>
     </p:spTree>
     <p:extLst>
       <p:ext uri="{BB962C8B-B14F-4D97-AF65-F5344CB8AC3E}">
@@ -4208,6 +5661,508 @@
   <p:clrMapOvr>
     <a:masterClrMapping/>
   </p:clrMapOvr>
+</p:sld>
+</file>
+
+<file path=ppt/slides/slide14.xml><?xml version="1.0" encoding="utf-8"?>
+<p:sld xmlns:a="http://schemas.openxmlformats.org/drawingml/2006/main" xmlns:r="http://schemas.openxmlformats.org/officeDocument/2006/relationships" xmlns:p="http://schemas.openxmlformats.org/presentationml/2006/main">
+  <p:cSld>
+    <p:spTree>
+      <p:nvGrpSpPr>
+        <p:cNvPr id="1" name=""/>
+        <p:cNvGrpSpPr/>
+        <p:nvPr/>
+      </p:nvGrpSpPr>
+      <p:grpSpPr>
+        <a:xfrm>
+          <a:off x="0" y="0"/>
+          <a:ext cx="0" cy="0"/>
+          <a:chOff x="0" y="0"/>
+          <a:chExt cx="0" cy="0"/>
+        </a:xfrm>
+      </p:grpSpPr>
+      <p:sp>
+        <p:nvSpPr>
+          <p:cNvPr id="2" name="1 Título"/>
+          <p:cNvSpPr>
+            <a:spLocks noGrp="1"/>
+          </p:cNvSpPr>
+          <p:nvPr>
+            <p:ph type="title"/>
+          </p:nvPr>
+        </p:nvSpPr>
+        <p:spPr/>
+        <p:txBody>
+          <a:bodyPr>
+            <a:normAutofit/>
+          </a:bodyPr>
+          <a:lstStyle/>
+          <a:p>
+            <a:r>
+              <a:rPr lang="es-ES_tradnl" dirty="0" smtClean="0"/>
+              <a:t>«Hola </a:t>
+            </a:r>
+            <a:r>
+              <a:rPr lang="es-ES_tradnl" dirty="0" smtClean="0"/>
+              <a:t>mundo» en PyCUDA</a:t>
+            </a:r>
+            <a:endParaRPr lang="es-ES" dirty="0"/>
+          </a:p>
+        </p:txBody>
+      </p:sp>
+      <p:sp>
+        <p:nvSpPr>
+          <p:cNvPr id="3" name="2 Marcador de contenido"/>
+          <p:cNvSpPr>
+            <a:spLocks noGrp="1"/>
+          </p:cNvSpPr>
+          <p:nvPr>
+            <p:ph idx="1"/>
+          </p:nvPr>
+        </p:nvSpPr>
+        <p:spPr/>
+        <p:txBody>
+          <a:bodyPr/>
+          <a:lstStyle/>
+          <a:p>
+            <a:pPr lvl="0"/>
+            <a:endParaRPr lang="es-ES" dirty="0" smtClean="0"/>
+          </a:p>
+          <a:p>
+            <a:pPr lvl="0"/>
+            <a:r>
+              <a:rPr lang="es-ES" dirty="0" smtClean="0"/>
+              <a:t>Transferencia de datos al </a:t>
+            </a:r>
+            <a:r>
+              <a:rPr lang="es-ES" i="1" dirty="0" err="1" smtClean="0"/>
+              <a:t>device</a:t>
+            </a:r>
+            <a:r>
+              <a:rPr lang="es-ES" dirty="0" smtClean="0"/>
+              <a:t>.</a:t>
+            </a:r>
+            <a:endParaRPr lang="es-ES" dirty="0" smtClean="0"/>
+          </a:p>
+          <a:p>
+            <a:pPr lvl="0"/>
+            <a:endParaRPr lang="es-ES_tradnl" dirty="0"/>
+          </a:p>
+          <a:p>
+            <a:r>
+              <a:rPr lang="es-ES" dirty="0" smtClean="0"/>
+              <a:t>Ejecución del kernel.</a:t>
+            </a:r>
+          </a:p>
+          <a:p>
+            <a:endParaRPr lang="es-ES_tradnl" dirty="0" smtClean="0"/>
+          </a:p>
+          <a:p>
+            <a:endParaRPr lang="es-ES_tradnl" dirty="0" smtClean="0"/>
+          </a:p>
+          <a:p>
+            <a:pPr lvl="0"/>
+            <a:r>
+              <a:rPr lang="es-ES" dirty="0" smtClean="0"/>
+              <a:t>Transferencia al </a:t>
+            </a:r>
+            <a:r>
+              <a:rPr lang="es-ES" i="1" dirty="0" smtClean="0"/>
+              <a:t>host</a:t>
+            </a:r>
+            <a:r>
+              <a:rPr lang="es-ES" dirty="0" smtClean="0"/>
+              <a:t>.</a:t>
+            </a:r>
+          </a:p>
+          <a:p>
+            <a:endParaRPr lang="es-ES" dirty="0"/>
+          </a:p>
+        </p:txBody>
+      </p:sp>
+      <p:pic>
+        <p:nvPicPr>
+          <p:cNvPr id="2050" name="Picture 2"/>
+          <p:cNvPicPr>
+            <a:picLocks noChangeAspect="1" noChangeArrowheads="1"/>
+          </p:cNvPicPr>
+          <p:nvPr/>
+        </p:nvPicPr>
+        <p:blipFill>
+          <a:blip r:embed="rId2">
+            <a:extLst>
+              <a:ext uri="{28A0092B-C50C-407E-A947-70E740481C1C}">
+                <a14:useLocalDpi xmlns:a14="http://schemas.microsoft.com/office/drawing/2010/main" val="0"/>
+              </a:ext>
+            </a:extLst>
+          </a:blip>
+          <a:srcRect/>
+          <a:stretch>
+            <a:fillRect/>
+          </a:stretch>
+        </p:blipFill>
+        <p:spPr bwMode="auto">
+          <a:xfrm>
+            <a:off x="1259632" y="3003187"/>
+            <a:ext cx="3500215" cy="281797"/>
+          </a:xfrm>
+          <a:prstGeom prst="rect">
+            <a:avLst/>
+          </a:prstGeom>
+          <a:noFill/>
+          <a:ln>
+            <a:noFill/>
+          </a:ln>
+          <a:effectLst/>
+          <a:extLst>
+            <a:ext uri="{909E8E84-426E-40DD-AFC4-6F175D3DCCD1}">
+              <a14:hiddenFill xmlns:a14="http://schemas.microsoft.com/office/drawing/2010/main">
+                <a:solidFill>
+                  <a:schemeClr val="accent1"/>
+                </a:solidFill>
+              </a14:hiddenFill>
+            </a:ext>
+            <a:ext uri="{91240B29-F687-4F45-9708-019B960494DF}">
+              <a14:hiddenLine xmlns:a14="http://schemas.microsoft.com/office/drawing/2010/main" w="9525">
+                <a:solidFill>
+                  <a:schemeClr val="tx1"/>
+                </a:solidFill>
+                <a:miter lim="800000"/>
+                <a:headEnd/>
+                <a:tailEnd/>
+              </a14:hiddenLine>
+            </a:ext>
+            <a:ext uri="{AF507438-7753-43E0-B8FC-AC1667EBCBE1}">
+              <a14:hiddenEffects xmlns:a14="http://schemas.microsoft.com/office/drawing/2010/main">
+                <a:effectLst>
+                  <a:outerShdw dist="35921" dir="2700000" algn="ctr" rotWithShape="0">
+                    <a:schemeClr val="bg2"/>
+                  </a:outerShdw>
+                </a:effectLst>
+              </a14:hiddenEffects>
+            </a:ext>
+          </a:extLst>
+        </p:spPr>
+      </p:pic>
+      <p:pic>
+        <p:nvPicPr>
+          <p:cNvPr id="2051" name="Picture 3"/>
+          <p:cNvPicPr>
+            <a:picLocks noChangeAspect="1" noChangeArrowheads="1"/>
+          </p:cNvPicPr>
+          <p:nvPr/>
+        </p:nvPicPr>
+        <p:blipFill>
+          <a:blip r:embed="rId3">
+            <a:extLst>
+              <a:ext uri="{28A0092B-C50C-407E-A947-70E740481C1C}">
+                <a14:useLocalDpi xmlns:a14="http://schemas.microsoft.com/office/drawing/2010/main" val="0"/>
+              </a:ext>
+            </a:extLst>
+          </a:blip>
+          <a:srcRect/>
+          <a:stretch>
+            <a:fillRect/>
+          </a:stretch>
+        </p:blipFill>
+        <p:spPr bwMode="auto">
+          <a:xfrm>
+            <a:off x="1259632" y="4005064"/>
+            <a:ext cx="4549769" cy="504056"/>
+          </a:xfrm>
+          <a:prstGeom prst="rect">
+            <a:avLst/>
+          </a:prstGeom>
+          <a:noFill/>
+          <a:ln>
+            <a:noFill/>
+          </a:ln>
+          <a:effectLst/>
+          <a:extLst>
+            <a:ext uri="{909E8E84-426E-40DD-AFC4-6F175D3DCCD1}">
+              <a14:hiddenFill xmlns:a14="http://schemas.microsoft.com/office/drawing/2010/main">
+                <a:solidFill>
+                  <a:schemeClr val="accent1"/>
+                </a:solidFill>
+              </a14:hiddenFill>
+            </a:ext>
+            <a:ext uri="{91240B29-F687-4F45-9708-019B960494DF}">
+              <a14:hiddenLine xmlns:a14="http://schemas.microsoft.com/office/drawing/2010/main" w="9525">
+                <a:solidFill>
+                  <a:schemeClr val="tx1"/>
+                </a:solidFill>
+                <a:miter lim="800000"/>
+                <a:headEnd/>
+                <a:tailEnd/>
+              </a14:hiddenLine>
+            </a:ext>
+            <a:ext uri="{AF507438-7753-43E0-B8FC-AC1667EBCBE1}">
+              <a14:hiddenEffects xmlns:a14="http://schemas.microsoft.com/office/drawing/2010/main">
+                <a:effectLst>
+                  <a:outerShdw dist="35921" dir="2700000" algn="ctr" rotWithShape="0">
+                    <a:schemeClr val="bg2"/>
+                  </a:outerShdw>
+                </a:effectLst>
+              </a14:hiddenEffects>
+            </a:ext>
+          </a:extLst>
+        </p:spPr>
+      </p:pic>
+      <p:pic>
+        <p:nvPicPr>
+          <p:cNvPr id="2052" name="Picture 4"/>
+          <p:cNvPicPr>
+            <a:picLocks noChangeAspect="1" noChangeArrowheads="1"/>
+          </p:cNvPicPr>
+          <p:nvPr/>
+        </p:nvPicPr>
+        <p:blipFill>
+          <a:blip r:embed="rId4">
+            <a:extLst>
+              <a:ext uri="{28A0092B-C50C-407E-A947-70E740481C1C}">
+                <a14:useLocalDpi xmlns:a14="http://schemas.microsoft.com/office/drawing/2010/main" val="0"/>
+              </a:ext>
+            </a:extLst>
+          </a:blip>
+          <a:srcRect/>
+          <a:stretch>
+            <a:fillRect/>
+          </a:stretch>
+        </p:blipFill>
+        <p:spPr bwMode="auto">
+          <a:xfrm>
+            <a:off x="1259632" y="5445224"/>
+            <a:ext cx="4203155" cy="518571"/>
+          </a:xfrm>
+          <a:prstGeom prst="rect">
+            <a:avLst/>
+          </a:prstGeom>
+          <a:noFill/>
+          <a:ln>
+            <a:noFill/>
+          </a:ln>
+          <a:effectLst/>
+          <a:extLst>
+            <a:ext uri="{909E8E84-426E-40DD-AFC4-6F175D3DCCD1}">
+              <a14:hiddenFill xmlns:a14="http://schemas.microsoft.com/office/drawing/2010/main">
+                <a:solidFill>
+                  <a:schemeClr val="accent1"/>
+                </a:solidFill>
+              </a14:hiddenFill>
+            </a:ext>
+            <a:ext uri="{91240B29-F687-4F45-9708-019B960494DF}">
+              <a14:hiddenLine xmlns:a14="http://schemas.microsoft.com/office/drawing/2010/main" w="9525">
+                <a:solidFill>
+                  <a:schemeClr val="tx1"/>
+                </a:solidFill>
+                <a:miter lim="800000"/>
+                <a:headEnd/>
+                <a:tailEnd/>
+              </a14:hiddenLine>
+            </a:ext>
+            <a:ext uri="{AF507438-7753-43E0-B8FC-AC1667EBCBE1}">
+              <a14:hiddenEffects xmlns:a14="http://schemas.microsoft.com/office/drawing/2010/main">
+                <a:effectLst>
+                  <a:outerShdw dist="35921" dir="2700000" algn="ctr" rotWithShape="0">
+                    <a:schemeClr val="bg2"/>
+                  </a:outerShdw>
+                </a:effectLst>
+              </a14:hiddenEffects>
+            </a:ext>
+          </a:extLst>
+        </p:spPr>
+      </p:pic>
+    </p:spTree>
+    <p:extLst>
+      <p:ext uri="{BB962C8B-B14F-4D97-AF65-F5344CB8AC3E}">
+        <p14:creationId xmlns:p14="http://schemas.microsoft.com/office/powerpoint/2010/main" val="69899250"/>
+      </p:ext>
+    </p:extLst>
+  </p:cSld>
+  <p:clrMapOvr>
+    <a:masterClrMapping/>
+  </p:clrMapOvr>
+  <p:timing>
+    <p:tnLst>
+      <p:par>
+        <p:cTn id="1" dur="indefinite" restart="never" nodeType="tmRoot"/>
+      </p:par>
+    </p:tnLst>
+  </p:timing>
+</p:sld>
+</file>
+
+<file path=ppt/slides/slide15.xml><?xml version="1.0" encoding="utf-8"?>
+<p:sld xmlns:a="http://schemas.openxmlformats.org/drawingml/2006/main" xmlns:r="http://schemas.openxmlformats.org/officeDocument/2006/relationships" xmlns:p="http://schemas.openxmlformats.org/presentationml/2006/main">
+  <p:cSld>
+    <p:spTree>
+      <p:nvGrpSpPr>
+        <p:cNvPr id="1" name=""/>
+        <p:cNvGrpSpPr/>
+        <p:nvPr/>
+      </p:nvGrpSpPr>
+      <p:grpSpPr>
+        <a:xfrm>
+          <a:off x="0" y="0"/>
+          <a:ext cx="0" cy="0"/>
+          <a:chOff x="0" y="0"/>
+          <a:chExt cx="0" cy="0"/>
+        </a:xfrm>
+      </p:grpSpPr>
+      <p:sp>
+        <p:nvSpPr>
+          <p:cNvPr id="2" name="1 Título"/>
+          <p:cNvSpPr>
+            <a:spLocks noGrp="1"/>
+          </p:cNvSpPr>
+          <p:nvPr>
+            <p:ph type="title"/>
+          </p:nvPr>
+        </p:nvSpPr>
+        <p:spPr/>
+        <p:txBody>
+          <a:bodyPr/>
+          <a:lstStyle/>
+          <a:p>
+            <a:r>
+              <a:rPr lang="es-ES_tradnl" dirty="0" smtClean="0"/>
+              <a:t>Software Framework</a:t>
+            </a:r>
+            <a:endParaRPr lang="es-ES" dirty="0"/>
+          </a:p>
+        </p:txBody>
+      </p:sp>
+      <p:pic>
+        <p:nvPicPr>
+          <p:cNvPr id="4" name="3 Marcador de contenido"/>
+          <p:cNvPicPr>
+            <a:picLocks noGrp="1" noChangeAspect="1"/>
+          </p:cNvPicPr>
+          <p:nvPr>
+            <p:ph idx="1"/>
+          </p:nvPr>
+        </p:nvPicPr>
+        <p:blipFill>
+          <a:blip r:embed="rId2">
+            <a:extLst>
+              <a:ext uri="{28A0092B-C50C-407E-A947-70E740481C1C}">
+                <a14:useLocalDpi xmlns:a14="http://schemas.microsoft.com/office/drawing/2010/main" val="0"/>
+              </a:ext>
+            </a:extLst>
+          </a:blip>
+          <a:stretch>
+            <a:fillRect/>
+          </a:stretch>
+        </p:blipFill>
+        <p:spPr>
+          <a:xfrm>
+            <a:off x="1043608" y="2276872"/>
+            <a:ext cx="7184376" cy="3976042"/>
+          </a:xfrm>
+        </p:spPr>
+      </p:pic>
+    </p:spTree>
+    <p:extLst>
+      <p:ext uri="{BB962C8B-B14F-4D97-AF65-F5344CB8AC3E}">
+        <p14:creationId xmlns:p14="http://schemas.microsoft.com/office/powerpoint/2010/main" val="1226849086"/>
+      </p:ext>
+    </p:extLst>
+  </p:cSld>
+  <p:clrMapOvr>
+    <a:masterClrMapping/>
+  </p:clrMapOvr>
+  <p:timing>
+    <p:tnLst>
+      <p:par>
+        <p:cTn id="1" dur="indefinite" restart="never" nodeType="tmRoot"/>
+      </p:par>
+    </p:tnLst>
+  </p:timing>
+</p:sld>
+</file>
+
+<file path=ppt/slides/slide16.xml><?xml version="1.0" encoding="utf-8"?>
+<p:sld xmlns:a="http://schemas.openxmlformats.org/drawingml/2006/main" xmlns:r="http://schemas.openxmlformats.org/officeDocument/2006/relationships" xmlns:p="http://schemas.openxmlformats.org/presentationml/2006/main">
+  <p:cSld>
+    <p:spTree>
+      <p:nvGrpSpPr>
+        <p:cNvPr id="1" name=""/>
+        <p:cNvGrpSpPr/>
+        <p:nvPr/>
+      </p:nvGrpSpPr>
+      <p:grpSpPr>
+        <a:xfrm>
+          <a:off x="0" y="0"/>
+          <a:ext cx="0" cy="0"/>
+          <a:chOff x="0" y="0"/>
+          <a:chExt cx="0" cy="0"/>
+        </a:xfrm>
+      </p:grpSpPr>
+      <p:sp>
+        <p:nvSpPr>
+          <p:cNvPr id="2" name="1 Título"/>
+          <p:cNvSpPr>
+            <a:spLocks noGrp="1"/>
+          </p:cNvSpPr>
+          <p:nvPr>
+            <p:ph type="title"/>
+          </p:nvPr>
+        </p:nvSpPr>
+        <p:spPr/>
+        <p:txBody>
+          <a:bodyPr/>
+          <a:lstStyle/>
+          <a:p>
+            <a:r>
+              <a:rPr lang="es-ES_tradnl" dirty="0" smtClean="0"/>
+              <a:t>CPU vs GPU</a:t>
+            </a:r>
+            <a:endParaRPr lang="es-ES" dirty="0"/>
+          </a:p>
+        </p:txBody>
+      </p:sp>
+      <p:graphicFrame>
+        <p:nvGraphicFramePr>
+          <p:cNvPr id="4" name="3 Marcador de contenido"/>
+          <p:cNvGraphicFramePr>
+            <a:graphicFrameLocks noGrp="1"/>
+          </p:cNvGraphicFramePr>
+          <p:nvPr>
+            <p:ph idx="1"/>
+            <p:extLst>
+              <p:ext uri="{D42A27DB-BD31-4B8C-83A1-F6EECF244321}">
+                <p14:modId xmlns:p14="http://schemas.microsoft.com/office/powerpoint/2010/main" val="4263060143"/>
+              </p:ext>
+            </p:extLst>
+          </p:nvPr>
+        </p:nvGraphicFramePr>
+        <p:xfrm>
+          <a:off x="457200" y="2132856"/>
+          <a:ext cx="8229600" cy="4191744"/>
+        </p:xfrm>
+        <a:graphic>
+          <a:graphicData uri="http://schemas.openxmlformats.org/drawingml/2006/chart">
+            <c:chart xmlns:c="http://schemas.openxmlformats.org/drawingml/2006/chart" xmlns:r="http://schemas.openxmlformats.org/officeDocument/2006/relationships" r:id="rId2"/>
+          </a:graphicData>
+        </a:graphic>
+      </p:graphicFrame>
+    </p:spTree>
+    <p:extLst>
+      <p:ext uri="{BB962C8B-B14F-4D97-AF65-F5344CB8AC3E}">
+        <p14:creationId xmlns:p14="http://schemas.microsoft.com/office/powerpoint/2010/main" val="1084811639"/>
+      </p:ext>
+    </p:extLst>
+  </p:cSld>
+  <p:clrMapOvr>
+    <a:masterClrMapping/>
+  </p:clrMapOvr>
+  <p:timing>
+    <p:tnLst>
+      <p:par>
+        <p:cTn id="1" dur="indefinite" restart="never" nodeType="tmRoot"/>
+      </p:par>
+    </p:tnLst>
+  </p:timing>
 </p:sld>
 </file>
 
@@ -4982,6 +6937,9 @@
           <a:bodyPr/>
           <a:lstStyle/>
           <a:p>
+            <a:pPr marL="0" indent="0">
+              <a:buNone/>
+            </a:pPr>
             <a:endParaRPr lang="es-ES_tradnl" dirty="0" smtClean="0"/>
           </a:p>
           <a:p>
@@ -5001,16 +6959,25 @@
           <a:p>
             <a:r>
               <a:rPr lang="es-ES_tradnl" dirty="0" smtClean="0"/>
-              <a:t>Cada bloque de hilos posee su </a:t>
+              <a:t>Cada </a:t>
+            </a:r>
+            <a:r>
+              <a:rPr lang="es-ES_tradnl" dirty="0" smtClean="0"/>
+              <a:t>bloque de hilos posee su </a:t>
             </a:r>
             <a:r>
               <a:rPr lang="es-ES_tradnl" b="1" dirty="0" smtClean="0"/>
-              <a:t>memoria compartida</a:t>
+              <a:t>memoria </a:t>
+            </a:r>
+            <a:r>
+              <a:rPr lang="es-ES_tradnl" b="1" dirty="0" smtClean="0"/>
+              <a:t>compartida</a:t>
             </a:r>
             <a:r>
               <a:rPr lang="es-ES_tradnl" dirty="0" smtClean="0"/>
-              <a:t>, compartida solo por los hilos del bloque.</a:t>
-            </a:r>
+              <a:t>.</a:t>
+            </a:r>
+            <a:endParaRPr lang="es-ES_tradnl" dirty="0" smtClean="0"/>
           </a:p>
           <a:p>
             <a:r>

--- a/trunk/out/presentacion/presentacionTAD.pptx
+++ b/trunk/out/presentacion/presentacionTAD.pptx
@@ -19,8 +19,15 @@
     <p:sldId id="267" r:id="rId13"/>
     <p:sldId id="266" r:id="rId14"/>
     <p:sldId id="269" r:id="rId15"/>
-    <p:sldId id="270" r:id="rId16"/>
-    <p:sldId id="271" r:id="rId17"/>
+    <p:sldId id="271" r:id="rId16"/>
+    <p:sldId id="270" r:id="rId17"/>
+    <p:sldId id="272" r:id="rId18"/>
+    <p:sldId id="273" r:id="rId19"/>
+    <p:sldId id="274" r:id="rId20"/>
+    <p:sldId id="275" r:id="rId21"/>
+    <p:sldId id="276" r:id="rId22"/>
+    <p:sldId id="277" r:id="rId23"/>
+    <p:sldId id="278" r:id="rId24"/>
   </p:sldIdLst>
   <p:sldSz cx="9144000" cy="6858000" type="screen4x3"/>
   <p:notesSz cx="6858000" cy="9144000"/>
@@ -365,11 +372,11 @@
           <c:showBubbleSize val="0"/>
         </c:dLbls>
         <c:gapWidth val="150"/>
-        <c:axId val="134177920"/>
-        <c:axId val="134365952"/>
+        <c:axId val="91476736"/>
+        <c:axId val="91478656"/>
       </c:barChart>
       <c:catAx>
-        <c:axId val="134177920"/>
+        <c:axId val="91476736"/>
         <c:scaling>
           <c:orientation val="minMax"/>
         </c:scaling>
@@ -424,7 +431,7 @@
             <a:endParaRPr lang="es-ES"/>
           </a:p>
         </c:txPr>
-        <c:crossAx val="134365952"/>
+        <c:crossAx val="91478656"/>
         <c:crosses val="autoZero"/>
         <c:auto val="1"/>
         <c:lblAlgn val="ctr"/>
@@ -432,7 +439,7 @@
         <c:noMultiLvlLbl val="0"/>
       </c:catAx>
       <c:valAx>
-        <c:axId val="134365952"/>
+        <c:axId val="91478656"/>
         <c:scaling>
           <c:orientation val="minMax"/>
         </c:scaling>
@@ -492,7 +499,7 @@
             <a:endParaRPr lang="es-ES"/>
           </a:p>
         </c:txPr>
-        <c:crossAx val="134177920"/>
+        <c:crossAx val="91476736"/>
         <c:crosses val="autoZero"/>
         <c:crossBetween val="between"/>
       </c:valAx>
@@ -697,7 +704,7 @@
           <a:p>
             <a:fld id="{E6EF9DEC-639E-4FF5-A226-850AEE87BD02}" type="datetimeFigureOut">
               <a:rPr lang="es-ES" smtClean="0"/>
-              <a:t>13/07/2011</a:t>
+              <a:t>14/07/2011</a:t>
             </a:fld>
             <a:endParaRPr lang="es-ES"/>
           </a:p>
@@ -862,7 +869,7 @@
           <a:p>
             <a:fld id="{E6EF9DEC-639E-4FF5-A226-850AEE87BD02}" type="datetimeFigureOut">
               <a:rPr lang="es-ES" smtClean="0"/>
-              <a:t>13/07/2011</a:t>
+              <a:t>14/07/2011</a:t>
             </a:fld>
             <a:endParaRPr lang="es-ES"/>
           </a:p>
@@ -1037,7 +1044,7 @@
           <a:p>
             <a:fld id="{E6EF9DEC-639E-4FF5-A226-850AEE87BD02}" type="datetimeFigureOut">
               <a:rPr lang="es-ES" smtClean="0"/>
-              <a:t>13/07/2011</a:t>
+              <a:t>14/07/2011</a:t>
             </a:fld>
             <a:endParaRPr lang="es-ES"/>
           </a:p>
@@ -1202,7 +1209,7 @@
           <a:p>
             <a:fld id="{E6EF9DEC-639E-4FF5-A226-850AEE87BD02}" type="datetimeFigureOut">
               <a:rPr lang="es-ES" smtClean="0"/>
-              <a:t>13/07/2011</a:t>
+              <a:t>14/07/2011</a:t>
             </a:fld>
             <a:endParaRPr lang="es-ES"/>
           </a:p>
@@ -1444,7 +1451,7 @@
           <a:p>
             <a:fld id="{E6EF9DEC-639E-4FF5-A226-850AEE87BD02}" type="datetimeFigureOut">
               <a:rPr lang="es-ES" smtClean="0"/>
-              <a:t>13/07/2011</a:t>
+              <a:t>14/07/2011</a:t>
             </a:fld>
             <a:endParaRPr lang="es-ES"/>
           </a:p>
@@ -1708,7 +1715,7 @@
           <a:p>
             <a:fld id="{E6EF9DEC-639E-4FF5-A226-850AEE87BD02}" type="datetimeFigureOut">
               <a:rPr lang="es-ES" smtClean="0"/>
-              <a:t>13/07/2011</a:t>
+              <a:t>14/07/2011</a:t>
             </a:fld>
             <a:endParaRPr lang="es-ES"/>
           </a:p>
@@ -2086,7 +2093,7 @@
           <a:p>
             <a:fld id="{E6EF9DEC-639E-4FF5-A226-850AEE87BD02}" type="datetimeFigureOut">
               <a:rPr lang="es-ES" smtClean="0"/>
-              <a:t>13/07/2011</a:t>
+              <a:t>14/07/2011</a:t>
             </a:fld>
             <a:endParaRPr lang="es-ES"/>
           </a:p>
@@ -2236,7 +2243,7 @@
           <a:p>
             <a:fld id="{E6EF9DEC-639E-4FF5-A226-850AEE87BD02}" type="datetimeFigureOut">
               <a:rPr lang="es-ES" smtClean="0"/>
-              <a:t>13/07/2011</a:t>
+              <a:t>14/07/2011</a:t>
             </a:fld>
             <a:endParaRPr lang="es-ES"/>
           </a:p>
@@ -2326,7 +2333,7 @@
           <a:p>
             <a:fld id="{E6EF9DEC-639E-4FF5-A226-850AEE87BD02}" type="datetimeFigureOut">
               <a:rPr lang="es-ES" smtClean="0"/>
-              <a:t>13/07/2011</a:t>
+              <a:t>14/07/2011</a:t>
             </a:fld>
             <a:endParaRPr lang="es-ES"/>
           </a:p>
@@ -2587,7 +2594,7 @@
           <a:p>
             <a:fld id="{E6EF9DEC-639E-4FF5-A226-850AEE87BD02}" type="datetimeFigureOut">
               <a:rPr lang="es-ES" smtClean="0"/>
-              <a:t>13/07/2011</a:t>
+              <a:t>14/07/2011</a:t>
             </a:fld>
             <a:endParaRPr lang="es-ES"/>
           </a:p>
@@ -2875,7 +2882,7 @@
           <a:p>
             <a:fld id="{E6EF9DEC-639E-4FF5-A226-850AEE87BD02}" type="datetimeFigureOut">
               <a:rPr lang="es-ES" smtClean="0"/>
-              <a:t>13/07/2011</a:t>
+              <a:t>14/07/2011</a:t>
             </a:fld>
             <a:endParaRPr lang="es-ES"/>
           </a:p>
@@ -3646,7 +3653,7 @@
           <a:p>
             <a:fld id="{E6EF9DEC-639E-4FF5-A226-850AEE87BD02}" type="datetimeFigureOut">
               <a:rPr lang="es-ES" smtClean="0"/>
-              <a:t>13/07/2011</a:t>
+              <a:t>14/07/2011</a:t>
             </a:fld>
             <a:endParaRPr lang="es-ES"/>
           </a:p>
@@ -5384,11 +5391,7 @@
           <a:p>
             <a:r>
               <a:rPr lang="es-ES_tradnl" dirty="0" smtClean="0"/>
-              <a:t>«Hola </a:t>
-            </a:r>
-            <a:r>
-              <a:rPr lang="es-ES_tradnl" dirty="0" smtClean="0"/>
-              <a:t>mundo» en PyCUDA</a:t>
+              <a:t>«Hola mundo» en PyCUDA</a:t>
             </a:r>
             <a:endParaRPr lang="es-ES" dirty="0"/>
           </a:p>
@@ -5700,11 +5703,7 @@
           <a:p>
             <a:r>
               <a:rPr lang="es-ES_tradnl" dirty="0" smtClean="0"/>
-              <a:t>«Hola </a:t>
-            </a:r>
-            <a:r>
-              <a:rPr lang="es-ES_tradnl" dirty="0" smtClean="0"/>
-              <a:t>mundo» en PyCUDA</a:t>
+              <a:t>«Hola mundo» en PyCUDA</a:t>
             </a:r>
             <a:endParaRPr lang="es-ES" dirty="0"/>
           </a:p>
@@ -5742,7 +5741,6 @@
               <a:rPr lang="es-ES" dirty="0" smtClean="0"/>
               <a:t>.</a:t>
             </a:r>
-            <a:endParaRPr lang="es-ES" dirty="0" smtClean="0"/>
           </a:p>
           <a:p>
             <a:pPr lvl="0"/>
@@ -6026,6 +6024,91 @@
           <a:p>
             <a:r>
               <a:rPr lang="es-ES_tradnl" dirty="0" smtClean="0"/>
+              <a:t>CPU vs GPU</a:t>
+            </a:r>
+            <a:endParaRPr lang="es-ES" dirty="0"/>
+          </a:p>
+        </p:txBody>
+      </p:sp>
+      <p:graphicFrame>
+        <p:nvGraphicFramePr>
+          <p:cNvPr id="4" name="3 Marcador de contenido"/>
+          <p:cNvGraphicFramePr>
+            <a:graphicFrameLocks noGrp="1"/>
+          </p:cNvGraphicFramePr>
+          <p:nvPr>
+            <p:ph idx="1"/>
+            <p:extLst>
+              <p:ext uri="{D42A27DB-BD31-4B8C-83A1-F6EECF244321}">
+                <p14:modId xmlns:p14="http://schemas.microsoft.com/office/powerpoint/2010/main" val="4263060143"/>
+              </p:ext>
+            </p:extLst>
+          </p:nvPr>
+        </p:nvGraphicFramePr>
+        <p:xfrm>
+          <a:off x="457200" y="2132856"/>
+          <a:ext cx="8229600" cy="4191744"/>
+        </p:xfrm>
+        <a:graphic>
+          <a:graphicData uri="http://schemas.openxmlformats.org/drawingml/2006/chart">
+            <c:chart xmlns:c="http://schemas.openxmlformats.org/drawingml/2006/chart" xmlns:r="http://schemas.openxmlformats.org/officeDocument/2006/relationships" r:id="rId2"/>
+          </a:graphicData>
+        </a:graphic>
+      </p:graphicFrame>
+    </p:spTree>
+    <p:extLst>
+      <p:ext uri="{BB962C8B-B14F-4D97-AF65-F5344CB8AC3E}">
+        <p14:creationId xmlns:p14="http://schemas.microsoft.com/office/powerpoint/2010/main" val="1084811639"/>
+      </p:ext>
+    </p:extLst>
+  </p:cSld>
+  <p:clrMapOvr>
+    <a:masterClrMapping/>
+  </p:clrMapOvr>
+  <p:timing>
+    <p:tnLst>
+      <p:par>
+        <p:cTn id="1" dur="indefinite" restart="never" nodeType="tmRoot"/>
+      </p:par>
+    </p:tnLst>
+  </p:timing>
+</p:sld>
+</file>
+
+<file path=ppt/slides/slide16.xml><?xml version="1.0" encoding="utf-8"?>
+<p:sld xmlns:a="http://schemas.openxmlformats.org/drawingml/2006/main" xmlns:r="http://schemas.openxmlformats.org/officeDocument/2006/relationships" xmlns:p="http://schemas.openxmlformats.org/presentationml/2006/main">
+  <p:cSld>
+    <p:spTree>
+      <p:nvGrpSpPr>
+        <p:cNvPr id="1" name=""/>
+        <p:cNvGrpSpPr/>
+        <p:nvPr/>
+      </p:nvGrpSpPr>
+      <p:grpSpPr>
+        <a:xfrm>
+          <a:off x="0" y="0"/>
+          <a:ext cx="0" cy="0"/>
+          <a:chOff x="0" y="0"/>
+          <a:chExt cx="0" cy="0"/>
+        </a:xfrm>
+      </p:grpSpPr>
+      <p:sp>
+        <p:nvSpPr>
+          <p:cNvPr id="2" name="1 Título"/>
+          <p:cNvSpPr>
+            <a:spLocks noGrp="1"/>
+          </p:cNvSpPr>
+          <p:nvPr>
+            <p:ph type="title"/>
+          </p:nvPr>
+        </p:nvSpPr>
+        <p:spPr/>
+        <p:txBody>
+          <a:bodyPr/>
+          <a:lstStyle/>
+          <a:p>
+            <a:r>
+              <a:rPr lang="es-ES_tradnl" dirty="0" smtClean="0"/>
               <a:t>Software Framework</a:t>
             </a:r>
             <a:endParaRPr lang="es-ES" dirty="0"/>
@@ -6081,7 +6164,7 @@
 </p:sld>
 </file>
 
-<file path=ppt/slides/slide16.xml><?xml version="1.0" encoding="utf-8"?>
+<file path=ppt/slides/slide17.xml><?xml version="1.0" encoding="utf-8"?>
 <p:sld xmlns:a="http://schemas.openxmlformats.org/drawingml/2006/main" xmlns:r="http://schemas.openxmlformats.org/officeDocument/2006/relationships" xmlns:p="http://schemas.openxmlformats.org/presentationml/2006/main">
   <p:cSld>
     <p:spTree>
@@ -6108,61 +6191,450 @@
             <p:ph type="title"/>
           </p:nvPr>
         </p:nvSpPr>
+        <p:spPr>
+          <a:xfrm>
+            <a:off x="467544" y="1052736"/>
+            <a:ext cx="8229600" cy="650336"/>
+          </a:xfrm>
+        </p:spPr>
+        <p:txBody>
+          <a:bodyPr>
+            <a:noAutofit/>
+          </a:bodyPr>
+          <a:lstStyle/>
+          <a:p>
+            <a:r>
+              <a:rPr lang="es-ES_tradnl" sz="4000" dirty="0" smtClean="0"/>
+              <a:t>Algoritmo de Detección de Movimiento</a:t>
+            </a:r>
+            <a:endParaRPr lang="es-ES" sz="4000" dirty="0"/>
+          </a:p>
+        </p:txBody>
+      </p:sp>
+      <p:sp>
+        <p:nvSpPr>
+          <p:cNvPr id="3" name="2 Marcador de contenido"/>
+          <p:cNvSpPr>
+            <a:spLocks noGrp="1"/>
+          </p:cNvSpPr>
+          <p:nvPr>
+            <p:ph idx="1"/>
+          </p:nvPr>
+        </p:nvSpPr>
         <p:spPr/>
         <p:txBody>
           <a:bodyPr/>
           <a:lstStyle/>
           <a:p>
+            <a:endParaRPr lang="es-ES_tradnl" dirty="0" smtClean="0"/>
+          </a:p>
+          <a:p>
             <a:r>
               <a:rPr lang="es-ES_tradnl" dirty="0" smtClean="0"/>
-              <a:t>CPU vs GPU</a:t>
+              <a:t>Dados 2 </a:t>
+            </a:r>
+            <a:r>
+              <a:rPr lang="es-ES_tradnl" dirty="0" err="1" smtClean="0"/>
+              <a:t>frames</a:t>
+            </a:r>
+            <a:r>
+              <a:rPr lang="es-ES_tradnl" dirty="0" smtClean="0"/>
+              <a:t> del video, aplicar filtros consecutivamente:</a:t>
+            </a:r>
+          </a:p>
+          <a:p>
+            <a:pPr lvl="1"/>
+            <a:r>
+              <a:rPr lang="es-ES_tradnl" dirty="0" smtClean="0"/>
+              <a:t>Conversión a escala de grises</a:t>
+            </a:r>
+          </a:p>
+          <a:p>
+            <a:pPr lvl="1"/>
+            <a:r>
+              <a:rPr lang="es-ES_tradnl" dirty="0" smtClean="0"/>
+              <a:t>Filtro de Diferencia</a:t>
+            </a:r>
+          </a:p>
+          <a:p>
+            <a:pPr lvl="1"/>
+            <a:r>
+              <a:rPr lang="es-ES_tradnl" dirty="0" smtClean="0"/>
+              <a:t>Filtro </a:t>
+            </a:r>
+            <a:r>
+              <a:rPr lang="es-ES_tradnl" dirty="0" err="1" smtClean="0"/>
+              <a:t>Threshold</a:t>
+            </a:r>
+            <a:endParaRPr lang="es-ES_tradnl" dirty="0" smtClean="0"/>
+          </a:p>
+          <a:p>
+            <a:pPr lvl="1"/>
+            <a:r>
+              <a:rPr lang="es-ES_tradnl" dirty="0" smtClean="0"/>
+              <a:t>Filtro </a:t>
+            </a:r>
+            <a:r>
+              <a:rPr lang="es-ES_tradnl" dirty="0" err="1" smtClean="0"/>
+              <a:t>Erosion</a:t>
+            </a:r>
+            <a:endParaRPr lang="es-ES_tradnl" dirty="0" smtClean="0"/>
+          </a:p>
+          <a:p>
+            <a:pPr lvl="1"/>
+            <a:r>
+              <a:rPr lang="es-ES_tradnl" dirty="0" smtClean="0"/>
+              <a:t>Fusión en el canal R</a:t>
             </a:r>
             <a:endParaRPr lang="es-ES" dirty="0"/>
           </a:p>
         </p:txBody>
       </p:sp>
-      <p:graphicFrame>
-        <p:nvGraphicFramePr>
-          <p:cNvPr id="4" name="3 Marcador de contenido"/>
-          <p:cNvGraphicFramePr>
-            <a:graphicFrameLocks noGrp="1"/>
-          </p:cNvGraphicFramePr>
-          <p:nvPr>
-            <p:ph idx="1"/>
-            <p:extLst>
-              <p:ext uri="{D42A27DB-BD31-4B8C-83A1-F6EECF244321}">
-                <p14:modId xmlns:p14="http://schemas.microsoft.com/office/powerpoint/2010/main" val="4263060143"/>
-              </p:ext>
-            </p:extLst>
-          </p:nvPr>
-        </p:nvGraphicFramePr>
-        <p:xfrm>
-          <a:off x="457200" y="2132856"/>
-          <a:ext cx="8229600" cy="4191744"/>
-        </p:xfrm>
-        <a:graphic>
-          <a:graphicData uri="http://schemas.openxmlformats.org/drawingml/2006/chart">
-            <c:chart xmlns:c="http://schemas.openxmlformats.org/drawingml/2006/chart" xmlns:r="http://schemas.openxmlformats.org/officeDocument/2006/relationships" r:id="rId2"/>
-          </a:graphicData>
-        </a:graphic>
-      </p:graphicFrame>
     </p:spTree>
     <p:extLst>
       <p:ext uri="{BB962C8B-B14F-4D97-AF65-F5344CB8AC3E}">
-        <p14:creationId xmlns:p14="http://schemas.microsoft.com/office/powerpoint/2010/main" val="1084811639"/>
+        <p14:creationId xmlns:p14="http://schemas.microsoft.com/office/powerpoint/2010/main" val="1023539881"/>
       </p:ext>
     </p:extLst>
   </p:cSld>
   <p:clrMapOvr>
     <a:masterClrMapping/>
   </p:clrMapOvr>
-  <p:timing>
-    <p:tnLst>
-      <p:par>
-        <p:cTn id="1" dur="indefinite" restart="never" nodeType="tmRoot"/>
-      </p:par>
-    </p:tnLst>
-  </p:timing>
+</p:sld>
+</file>
+
+<file path=ppt/slides/slide18.xml><?xml version="1.0" encoding="utf-8"?>
+<p:sld xmlns:a="http://schemas.openxmlformats.org/drawingml/2006/main" xmlns:r="http://schemas.openxmlformats.org/officeDocument/2006/relationships" xmlns:p="http://schemas.openxmlformats.org/presentationml/2006/main">
+  <p:cSld>
+    <p:spTree>
+      <p:nvGrpSpPr>
+        <p:cNvPr id="1" name=""/>
+        <p:cNvGrpSpPr/>
+        <p:nvPr/>
+      </p:nvGrpSpPr>
+      <p:grpSpPr>
+        <a:xfrm>
+          <a:off x="0" y="0"/>
+          <a:ext cx="0" cy="0"/>
+          <a:chOff x="0" y="0"/>
+          <a:chExt cx="0" cy="0"/>
+        </a:xfrm>
+      </p:grpSpPr>
+      <p:sp>
+        <p:nvSpPr>
+          <p:cNvPr id="2" name="1 Título"/>
+          <p:cNvSpPr>
+            <a:spLocks noGrp="1"/>
+          </p:cNvSpPr>
+          <p:nvPr>
+            <p:ph type="title"/>
+          </p:nvPr>
+        </p:nvSpPr>
+        <p:spPr>
+          <a:xfrm>
+            <a:off x="467544" y="1052736"/>
+            <a:ext cx="8229600" cy="650336"/>
+          </a:xfrm>
+        </p:spPr>
+        <p:txBody>
+          <a:bodyPr>
+            <a:noAutofit/>
+          </a:bodyPr>
+          <a:lstStyle/>
+          <a:p>
+            <a:r>
+              <a:rPr lang="es-ES_tradnl" sz="4000" dirty="0" smtClean="0"/>
+              <a:t>Algoritmo de Detección de Movimiento</a:t>
+            </a:r>
+            <a:endParaRPr lang="es-ES" sz="4000" dirty="0"/>
+          </a:p>
+        </p:txBody>
+      </p:sp>
+      <p:sp>
+        <p:nvSpPr>
+          <p:cNvPr id="3" name="2 Marcador de contenido"/>
+          <p:cNvSpPr>
+            <a:spLocks noGrp="1"/>
+          </p:cNvSpPr>
+          <p:nvPr>
+            <p:ph idx="1"/>
+          </p:nvPr>
+        </p:nvSpPr>
+        <p:spPr>
+          <a:xfrm>
+            <a:off x="601216" y="1988840"/>
+            <a:ext cx="4474840" cy="4389120"/>
+          </a:xfrm>
+        </p:spPr>
+        <p:txBody>
+          <a:bodyPr/>
+          <a:lstStyle/>
+          <a:p>
+            <a:endParaRPr lang="es-ES_tradnl" dirty="0" smtClean="0"/>
+          </a:p>
+          <a:p>
+            <a:r>
+              <a:rPr lang="es-ES_tradnl" dirty="0" smtClean="0"/>
+              <a:t>Conversión a escala de grises</a:t>
+            </a:r>
+          </a:p>
+          <a:p>
+            <a:endParaRPr lang="es-ES_tradnl" dirty="0" smtClean="0"/>
+          </a:p>
+          <a:p>
+            <a:endParaRPr lang="es-ES_tradnl" dirty="0"/>
+          </a:p>
+          <a:p>
+            <a:endParaRPr lang="es-ES_tradnl" dirty="0" smtClean="0"/>
+          </a:p>
+          <a:p>
+            <a:r>
+              <a:rPr lang="es-ES_tradnl" dirty="0" smtClean="0"/>
+              <a:t>Filtro de Diferencia</a:t>
+            </a:r>
+          </a:p>
+        </p:txBody>
+      </p:sp>
+      <p:pic>
+        <p:nvPicPr>
+          <p:cNvPr id="4" name="3 Imagen"/>
+          <p:cNvPicPr>
+            <a:picLocks noChangeAspect="1"/>
+          </p:cNvPicPr>
+          <p:nvPr/>
+        </p:nvPicPr>
+        <p:blipFill>
+          <a:blip r:embed="rId2">
+            <a:extLst>
+              <a:ext uri="{28A0092B-C50C-407E-A947-70E740481C1C}">
+                <a14:useLocalDpi xmlns:a14="http://schemas.microsoft.com/office/drawing/2010/main" val="0"/>
+              </a:ext>
+            </a:extLst>
+          </a:blip>
+          <a:stretch>
+            <a:fillRect/>
+          </a:stretch>
+        </p:blipFill>
+        <p:spPr>
+          <a:xfrm>
+            <a:off x="5076056" y="1916832"/>
+            <a:ext cx="3072341" cy="2304256"/>
+          </a:xfrm>
+          <a:prstGeom prst="rect">
+            <a:avLst/>
+          </a:prstGeom>
+        </p:spPr>
+      </p:pic>
+      <p:pic>
+        <p:nvPicPr>
+          <p:cNvPr id="5" name="4 Imagen"/>
+          <p:cNvPicPr>
+            <a:picLocks noChangeAspect="1"/>
+          </p:cNvPicPr>
+          <p:nvPr/>
+        </p:nvPicPr>
+        <p:blipFill>
+          <a:blip r:embed="rId3">
+            <a:extLst>
+              <a:ext uri="{28A0092B-C50C-407E-A947-70E740481C1C}">
+                <a14:useLocalDpi xmlns:a14="http://schemas.microsoft.com/office/drawing/2010/main" val="0"/>
+              </a:ext>
+            </a:extLst>
+          </a:blip>
+          <a:stretch>
+            <a:fillRect/>
+          </a:stretch>
+        </p:blipFill>
+        <p:spPr>
+          <a:xfrm>
+            <a:off x="5100397" y="4293096"/>
+            <a:ext cx="3048000" cy="2286000"/>
+          </a:xfrm>
+          <a:prstGeom prst="rect">
+            <a:avLst/>
+          </a:prstGeom>
+        </p:spPr>
+      </p:pic>
+    </p:spTree>
+    <p:extLst>
+      <p:ext uri="{BB962C8B-B14F-4D97-AF65-F5344CB8AC3E}">
+        <p14:creationId xmlns:p14="http://schemas.microsoft.com/office/powerpoint/2010/main" val="658944811"/>
+      </p:ext>
+    </p:extLst>
+  </p:cSld>
+  <p:clrMapOvr>
+    <a:masterClrMapping/>
+  </p:clrMapOvr>
+</p:sld>
+</file>
+
+<file path=ppt/slides/slide19.xml><?xml version="1.0" encoding="utf-8"?>
+<p:sld xmlns:a="http://schemas.openxmlformats.org/drawingml/2006/main" xmlns:r="http://schemas.openxmlformats.org/officeDocument/2006/relationships" xmlns:p="http://schemas.openxmlformats.org/presentationml/2006/main">
+  <p:cSld>
+    <p:spTree>
+      <p:nvGrpSpPr>
+        <p:cNvPr id="1" name=""/>
+        <p:cNvGrpSpPr/>
+        <p:nvPr/>
+      </p:nvGrpSpPr>
+      <p:grpSpPr>
+        <a:xfrm>
+          <a:off x="0" y="0"/>
+          <a:ext cx="0" cy="0"/>
+          <a:chOff x="0" y="0"/>
+          <a:chExt cx="0" cy="0"/>
+        </a:xfrm>
+      </p:grpSpPr>
+      <p:sp>
+        <p:nvSpPr>
+          <p:cNvPr id="2" name="1 Título"/>
+          <p:cNvSpPr>
+            <a:spLocks noGrp="1"/>
+          </p:cNvSpPr>
+          <p:nvPr>
+            <p:ph type="title"/>
+          </p:nvPr>
+        </p:nvSpPr>
+        <p:spPr>
+          <a:xfrm>
+            <a:off x="467544" y="1052736"/>
+            <a:ext cx="8229600" cy="650336"/>
+          </a:xfrm>
+        </p:spPr>
+        <p:txBody>
+          <a:bodyPr>
+            <a:noAutofit/>
+          </a:bodyPr>
+          <a:lstStyle/>
+          <a:p>
+            <a:r>
+              <a:rPr lang="es-ES_tradnl" sz="4000" dirty="0" smtClean="0"/>
+              <a:t>Algoritmo de Detección de Movimiento</a:t>
+            </a:r>
+            <a:endParaRPr lang="es-ES" sz="4000" dirty="0"/>
+          </a:p>
+        </p:txBody>
+      </p:sp>
+      <p:sp>
+        <p:nvSpPr>
+          <p:cNvPr id="3" name="2 Marcador de contenido"/>
+          <p:cNvSpPr>
+            <a:spLocks noGrp="1"/>
+          </p:cNvSpPr>
+          <p:nvPr>
+            <p:ph idx="1"/>
+          </p:nvPr>
+        </p:nvSpPr>
+        <p:spPr>
+          <a:xfrm>
+            <a:off x="601216" y="1988840"/>
+            <a:ext cx="4474840" cy="4389120"/>
+          </a:xfrm>
+        </p:spPr>
+        <p:txBody>
+          <a:bodyPr/>
+          <a:lstStyle/>
+          <a:p>
+            <a:endParaRPr lang="es-ES_tradnl" dirty="0" smtClean="0"/>
+          </a:p>
+          <a:p>
+            <a:r>
+              <a:rPr lang="es-ES_tradnl" dirty="0" smtClean="0"/>
+              <a:t>Filtro </a:t>
+            </a:r>
+            <a:r>
+              <a:rPr lang="es-ES_tradnl" dirty="0" err="1" smtClean="0"/>
+              <a:t>Threshold</a:t>
+            </a:r>
+            <a:endParaRPr lang="es-ES_tradnl" dirty="0" smtClean="0"/>
+          </a:p>
+          <a:p>
+            <a:endParaRPr lang="es-ES_tradnl" dirty="0" smtClean="0"/>
+          </a:p>
+          <a:p>
+            <a:endParaRPr lang="es-ES_tradnl" dirty="0"/>
+          </a:p>
+          <a:p>
+            <a:endParaRPr lang="es-ES_tradnl" dirty="0" smtClean="0"/>
+          </a:p>
+          <a:p>
+            <a:r>
+              <a:rPr lang="es-ES_tradnl" dirty="0" smtClean="0"/>
+              <a:t>Filtro de Erosión</a:t>
+            </a:r>
+          </a:p>
+        </p:txBody>
+      </p:sp>
+      <p:pic>
+        <p:nvPicPr>
+          <p:cNvPr id="6" name="5 Imagen"/>
+          <p:cNvPicPr>
+            <a:picLocks noChangeAspect="1"/>
+          </p:cNvPicPr>
+          <p:nvPr/>
+        </p:nvPicPr>
+        <p:blipFill>
+          <a:blip r:embed="rId2">
+            <a:extLst>
+              <a:ext uri="{28A0092B-C50C-407E-A947-70E740481C1C}">
+                <a14:useLocalDpi xmlns:a14="http://schemas.microsoft.com/office/drawing/2010/main" val="0"/>
+              </a:ext>
+            </a:extLst>
+          </a:blip>
+          <a:stretch>
+            <a:fillRect/>
+          </a:stretch>
+        </p:blipFill>
+        <p:spPr>
+          <a:xfrm>
+            <a:off x="5124400" y="2007096"/>
+            <a:ext cx="3048000" cy="2286000"/>
+          </a:xfrm>
+          <a:prstGeom prst="rect">
+            <a:avLst/>
+          </a:prstGeom>
+        </p:spPr>
+      </p:pic>
+      <p:pic>
+        <p:nvPicPr>
+          <p:cNvPr id="7" name="6 Imagen"/>
+          <p:cNvPicPr>
+            <a:picLocks noChangeAspect="1"/>
+          </p:cNvPicPr>
+          <p:nvPr/>
+        </p:nvPicPr>
+        <p:blipFill>
+          <a:blip r:embed="rId3">
+            <a:extLst>
+              <a:ext uri="{28A0092B-C50C-407E-A947-70E740481C1C}">
+                <a14:useLocalDpi xmlns:a14="http://schemas.microsoft.com/office/drawing/2010/main" val="0"/>
+              </a:ext>
+            </a:extLst>
+          </a:blip>
+          <a:stretch>
+            <a:fillRect/>
+          </a:stretch>
+        </p:blipFill>
+        <p:spPr>
+          <a:xfrm>
+            <a:off x="5115557" y="4364747"/>
+            <a:ext cx="3048000" cy="2286000"/>
+          </a:xfrm>
+          <a:prstGeom prst="rect">
+            <a:avLst/>
+          </a:prstGeom>
+        </p:spPr>
+      </p:pic>
+    </p:spTree>
+    <p:extLst>
+      <p:ext uri="{BB962C8B-B14F-4D97-AF65-F5344CB8AC3E}">
+        <p14:creationId xmlns:p14="http://schemas.microsoft.com/office/powerpoint/2010/main" val="3103246584"/>
+      </p:ext>
+    </p:extLst>
+  </p:cSld>
+  <p:clrMapOvr>
+    <a:masterClrMapping/>
+  </p:clrMapOvr>
 </p:sld>
 </file>
 
@@ -6225,32 +6697,20 @@
           </a:p>
           <a:p>
             <a:r>
-              <a:rPr lang="es-ES" dirty="0" smtClean="0"/>
-              <a:t>Una </a:t>
-            </a:r>
-            <a:r>
               <a:rPr lang="es-ES" dirty="0"/>
-              <a:t>GPU es un procesador especializado diseñado para el tratamiento gráfico.</a:t>
+              <a:t>Una GPU es un procesador especializado diseñado para el tratamiento gráfico.</a:t>
+            </a:r>
+          </a:p>
+          <a:p>
+            <a:r>
+              <a:rPr lang="es-ES_tradnl" dirty="0"/>
+              <a:t>Se puede utilizar para manipular datos de aplicaciones ajenas al procesamiento gráfico (GPGPU).</a:t>
             </a:r>
           </a:p>
           <a:p>
             <a:r>
               <a:rPr lang="es-ES" dirty="0"/>
-              <a:t>Su capacidad se basa en un alto grado de paralelismo que puede llegar a hacerla más eficiente que una CPU para manipular cantidades masivas de datos, lo que puede aplicarse para otros algoritmos (GPGPU).</a:t>
-            </a:r>
-          </a:p>
-          <a:p>
-            <a:r>
-              <a:rPr lang="es-ES" dirty="0"/>
-              <a:t>Podemos encontrar GPU en tarjetas gráficas, placas base e, incluso, integradas en algunas CPU (Intel HD, AMD </a:t>
-            </a:r>
-            <a:r>
-              <a:rPr lang="es-ES" dirty="0" err="1"/>
-              <a:t>Fusion</a:t>
-            </a:r>
-            <a:r>
-              <a:rPr lang="es-ES" dirty="0"/>
-              <a:t>, Proyecto Denver).</a:t>
+              <a:t>Podemos encontrar GPU en tarjetas gráficas, placas base e, incluso, integradas en algunas CPU.</a:t>
             </a:r>
           </a:p>
           <a:p>
@@ -6278,6 +6738,1477 @@
 </p:sld>
 </file>
 
+<file path=ppt/slides/slide20.xml><?xml version="1.0" encoding="utf-8"?>
+<p:sld xmlns:a="http://schemas.openxmlformats.org/drawingml/2006/main" xmlns:r="http://schemas.openxmlformats.org/officeDocument/2006/relationships" xmlns:p="http://schemas.openxmlformats.org/presentationml/2006/main">
+  <p:cSld>
+    <p:spTree>
+      <p:nvGrpSpPr>
+        <p:cNvPr id="1" name=""/>
+        <p:cNvGrpSpPr/>
+        <p:nvPr/>
+      </p:nvGrpSpPr>
+      <p:grpSpPr>
+        <a:xfrm>
+          <a:off x="0" y="0"/>
+          <a:ext cx="0" cy="0"/>
+          <a:chOff x="0" y="0"/>
+          <a:chExt cx="0" cy="0"/>
+        </a:xfrm>
+      </p:grpSpPr>
+      <p:sp>
+        <p:nvSpPr>
+          <p:cNvPr id="2" name="1 Título"/>
+          <p:cNvSpPr>
+            <a:spLocks noGrp="1"/>
+          </p:cNvSpPr>
+          <p:nvPr>
+            <p:ph type="title"/>
+          </p:nvPr>
+        </p:nvSpPr>
+        <p:spPr>
+          <a:xfrm>
+            <a:off x="467544" y="1052736"/>
+            <a:ext cx="8229600" cy="650336"/>
+          </a:xfrm>
+        </p:spPr>
+        <p:txBody>
+          <a:bodyPr>
+            <a:noAutofit/>
+          </a:bodyPr>
+          <a:lstStyle/>
+          <a:p>
+            <a:r>
+              <a:rPr lang="es-ES_tradnl" sz="4000" dirty="0" smtClean="0"/>
+              <a:t>Algoritmo de Detección de Movimiento</a:t>
+            </a:r>
+            <a:endParaRPr lang="es-ES" sz="4000" dirty="0"/>
+          </a:p>
+        </p:txBody>
+      </p:sp>
+      <p:sp>
+        <p:nvSpPr>
+          <p:cNvPr id="3" name="2 Marcador de contenido"/>
+          <p:cNvSpPr>
+            <a:spLocks noGrp="1"/>
+          </p:cNvSpPr>
+          <p:nvPr>
+            <p:ph idx="1"/>
+          </p:nvPr>
+        </p:nvSpPr>
+        <p:spPr>
+          <a:xfrm>
+            <a:off x="601216" y="1988840"/>
+            <a:ext cx="7715200" cy="4389120"/>
+          </a:xfrm>
+        </p:spPr>
+        <p:txBody>
+          <a:bodyPr/>
+          <a:lstStyle/>
+          <a:p>
+            <a:r>
+              <a:rPr lang="es-ES_tradnl" dirty="0" smtClean="0"/>
+              <a:t>Fusión en el canal R de la imagen original</a:t>
+            </a:r>
+          </a:p>
+          <a:p>
+            <a:endParaRPr lang="es-ES_tradnl" dirty="0" smtClean="0"/>
+          </a:p>
+          <a:p>
+            <a:endParaRPr lang="es-ES_tradnl" dirty="0"/>
+          </a:p>
+          <a:p>
+            <a:endParaRPr lang="es-ES_tradnl" dirty="0" smtClean="0"/>
+          </a:p>
+        </p:txBody>
+      </p:sp>
+      <p:pic>
+        <p:nvPicPr>
+          <p:cNvPr id="7" name="6 Imagen"/>
+          <p:cNvPicPr>
+            <a:picLocks noChangeAspect="1"/>
+          </p:cNvPicPr>
+          <p:nvPr/>
+        </p:nvPicPr>
+        <p:blipFill>
+          <a:blip r:embed="rId2">
+            <a:extLst>
+              <a:ext uri="{28A0092B-C50C-407E-A947-70E740481C1C}">
+                <a14:useLocalDpi xmlns:a14="http://schemas.microsoft.com/office/drawing/2010/main" val="0"/>
+              </a:ext>
+            </a:extLst>
+          </a:blip>
+          <a:stretch>
+            <a:fillRect/>
+          </a:stretch>
+        </p:blipFill>
+        <p:spPr>
+          <a:xfrm>
+            <a:off x="539552" y="2636912"/>
+            <a:ext cx="3048000" cy="2286000"/>
+          </a:xfrm>
+          <a:prstGeom prst="rect">
+            <a:avLst/>
+          </a:prstGeom>
+        </p:spPr>
+      </p:pic>
+      <p:pic>
+        <p:nvPicPr>
+          <p:cNvPr id="4" name="3 Imagen"/>
+          <p:cNvPicPr>
+            <a:picLocks noChangeAspect="1"/>
+          </p:cNvPicPr>
+          <p:nvPr/>
+        </p:nvPicPr>
+        <p:blipFill>
+          <a:blip r:embed="rId3">
+            <a:extLst>
+              <a:ext uri="{28A0092B-C50C-407E-A947-70E740481C1C}">
+                <a14:useLocalDpi xmlns:a14="http://schemas.microsoft.com/office/drawing/2010/main" val="0"/>
+              </a:ext>
+            </a:extLst>
+          </a:blip>
+          <a:stretch>
+            <a:fillRect/>
+          </a:stretch>
+        </p:blipFill>
+        <p:spPr>
+          <a:xfrm>
+            <a:off x="5436096" y="2636912"/>
+            <a:ext cx="3096344" cy="2322258"/>
+          </a:xfrm>
+          <a:prstGeom prst="rect">
+            <a:avLst/>
+          </a:prstGeom>
+        </p:spPr>
+      </p:pic>
+      <p:pic>
+        <p:nvPicPr>
+          <p:cNvPr id="5" name="4 Imagen"/>
+          <p:cNvPicPr>
+            <a:picLocks noChangeAspect="1"/>
+          </p:cNvPicPr>
+          <p:nvPr/>
+        </p:nvPicPr>
+        <p:blipFill>
+          <a:blip r:embed="rId4">
+            <a:extLst>
+              <a:ext uri="{28A0092B-C50C-407E-A947-70E740481C1C}">
+                <a14:useLocalDpi xmlns:a14="http://schemas.microsoft.com/office/drawing/2010/main" val="0"/>
+              </a:ext>
+            </a:extLst>
+          </a:blip>
+          <a:stretch>
+            <a:fillRect/>
+          </a:stretch>
+        </p:blipFill>
+        <p:spPr>
+          <a:xfrm>
+            <a:off x="3059832" y="4293096"/>
+            <a:ext cx="3048000" cy="2286000"/>
+          </a:xfrm>
+          <a:prstGeom prst="rect">
+            <a:avLst/>
+          </a:prstGeom>
+        </p:spPr>
+      </p:pic>
+      <p:sp>
+        <p:nvSpPr>
+          <p:cNvPr id="8" name="7 Flecha izquierda, derecha y arriba"/>
+          <p:cNvSpPr/>
+          <p:nvPr/>
+        </p:nvSpPr>
+        <p:spPr>
+          <a:xfrm flipV="1">
+            <a:off x="3995936" y="3093592"/>
+            <a:ext cx="1080120" cy="720080"/>
+          </a:xfrm>
+          <a:prstGeom prst="leftRightUpArrow">
+            <a:avLst/>
+          </a:prstGeom>
+        </p:spPr>
+        <p:style>
+          <a:lnRef idx="2">
+            <a:schemeClr val="accent2"/>
+          </a:lnRef>
+          <a:fillRef idx="1">
+            <a:schemeClr val="lt1"/>
+          </a:fillRef>
+          <a:effectRef idx="0">
+            <a:schemeClr val="accent2"/>
+          </a:effectRef>
+          <a:fontRef idx="minor">
+            <a:schemeClr val="dk1"/>
+          </a:fontRef>
+        </p:style>
+        <p:txBody>
+          <a:bodyPr rtlCol="0" anchor="ctr"/>
+          <a:lstStyle/>
+          <a:p>
+            <a:pPr algn="ctr"/>
+            <a:endParaRPr lang="es-ES" b="1" spc="100">
+              <a:ln w="18000">
+                <a:solidFill>
+                  <a:schemeClr val="accent1">
+                    <a:satMod val="200000"/>
+                    <a:tint val="72000"/>
+                  </a:schemeClr>
+                </a:solidFill>
+                <a:prstDash val="solid"/>
+              </a:ln>
+              <a:solidFill>
+                <a:schemeClr val="accent1">
+                  <a:satMod val="280000"/>
+                  <a:tint val="100000"/>
+                  <a:alpha val="5700"/>
+                </a:schemeClr>
+              </a:solidFill>
+              <a:effectLst>
+                <a:outerShdw blurRad="25000" dist="20000" dir="16020000" algn="tl">
+                  <a:schemeClr val="accent1">
+                    <a:satMod val="200000"/>
+                    <a:shade val="1000"/>
+                    <a:alpha val="60000"/>
+                  </a:schemeClr>
+                </a:outerShdw>
+              </a:effectLst>
+            </a:endParaRPr>
+          </a:p>
+        </p:txBody>
+      </p:sp>
+    </p:spTree>
+    <p:extLst>
+      <p:ext uri="{BB962C8B-B14F-4D97-AF65-F5344CB8AC3E}">
+        <p14:creationId xmlns:p14="http://schemas.microsoft.com/office/powerpoint/2010/main" val="2831265740"/>
+      </p:ext>
+    </p:extLst>
+  </p:cSld>
+  <p:clrMapOvr>
+    <a:masterClrMapping/>
+  </p:clrMapOvr>
+</p:sld>
+</file>
+
+<file path=ppt/slides/slide21.xml><?xml version="1.0" encoding="utf-8"?>
+<p:sld xmlns:a="http://schemas.openxmlformats.org/drawingml/2006/main" xmlns:r="http://schemas.openxmlformats.org/officeDocument/2006/relationships" xmlns:p="http://schemas.openxmlformats.org/presentationml/2006/main">
+  <p:cSld>
+    <p:spTree>
+      <p:nvGrpSpPr>
+        <p:cNvPr id="1" name=""/>
+        <p:cNvGrpSpPr/>
+        <p:nvPr/>
+      </p:nvGrpSpPr>
+      <p:grpSpPr>
+        <a:xfrm>
+          <a:off x="0" y="0"/>
+          <a:ext cx="0" cy="0"/>
+          <a:chOff x="0" y="0"/>
+          <a:chExt cx="0" cy="0"/>
+        </a:xfrm>
+      </p:grpSpPr>
+      <p:sp>
+        <p:nvSpPr>
+          <p:cNvPr id="2" name="1 Título"/>
+          <p:cNvSpPr>
+            <a:spLocks noGrp="1"/>
+          </p:cNvSpPr>
+          <p:nvPr>
+            <p:ph type="title"/>
+          </p:nvPr>
+        </p:nvSpPr>
+        <p:spPr/>
+        <p:txBody>
+          <a:bodyPr/>
+          <a:lstStyle/>
+          <a:p>
+            <a:r>
+              <a:rPr lang="es-ES_tradnl" dirty="0" smtClean="0"/>
+              <a:t>Resultado</a:t>
+            </a:r>
+            <a:endParaRPr lang="es-ES" dirty="0"/>
+          </a:p>
+        </p:txBody>
+      </p:sp>
+      <p:pic>
+        <p:nvPicPr>
+          <p:cNvPr id="4" name="3 Marcador de contenido"/>
+          <p:cNvPicPr>
+            <a:picLocks noGrp="1" noChangeAspect="1"/>
+          </p:cNvPicPr>
+          <p:nvPr>
+            <p:ph idx="1"/>
+          </p:nvPr>
+        </p:nvPicPr>
+        <p:blipFill>
+          <a:blip r:embed="rId2">
+            <a:extLst>
+              <a:ext uri="{28A0092B-C50C-407E-A947-70E740481C1C}">
+                <a14:useLocalDpi xmlns:a14="http://schemas.microsoft.com/office/drawing/2010/main" val="0"/>
+              </a:ext>
+            </a:extLst>
+          </a:blip>
+          <a:stretch>
+            <a:fillRect/>
+          </a:stretch>
+        </p:blipFill>
+        <p:spPr>
+          <a:xfrm>
+            <a:off x="1187624" y="2996952"/>
+            <a:ext cx="3048000" cy="2286000"/>
+          </a:xfrm>
+        </p:spPr>
+      </p:pic>
+      <p:pic>
+        <p:nvPicPr>
+          <p:cNvPr id="5" name="4 Imagen"/>
+          <p:cNvPicPr>
+            <a:picLocks noChangeAspect="1"/>
+          </p:cNvPicPr>
+          <p:nvPr/>
+        </p:nvPicPr>
+        <p:blipFill>
+          <a:blip r:embed="rId3">
+            <a:extLst>
+              <a:ext uri="{28A0092B-C50C-407E-A947-70E740481C1C}">
+                <a14:useLocalDpi xmlns:a14="http://schemas.microsoft.com/office/drawing/2010/main" val="0"/>
+              </a:ext>
+            </a:extLst>
+          </a:blip>
+          <a:stretch>
+            <a:fillRect/>
+          </a:stretch>
+        </p:blipFill>
+        <p:spPr>
+          <a:xfrm>
+            <a:off x="4596202" y="2996952"/>
+            <a:ext cx="3048000" cy="2286000"/>
+          </a:xfrm>
+          <a:prstGeom prst="rect">
+            <a:avLst/>
+          </a:prstGeom>
+        </p:spPr>
+      </p:pic>
+      <p:sp>
+        <p:nvSpPr>
+          <p:cNvPr id="6" name="3 Marcador de texto"/>
+          <p:cNvSpPr txBox="1">
+            <a:spLocks/>
+          </p:cNvSpPr>
+          <p:nvPr/>
+        </p:nvSpPr>
+        <p:spPr>
+          <a:xfrm>
+            <a:off x="1115616" y="2420888"/>
+            <a:ext cx="6528586" cy="510827"/>
+          </a:xfrm>
+          <a:prstGeom prst="rect">
+            <a:avLst/>
+          </a:prstGeom>
+        </p:spPr>
+        <p:txBody>
+          <a:bodyPr/>
+          <a:lstStyle>
+            <a:lvl1pPr marL="274320" indent="-274320" algn="l" rtl="0" eaLnBrk="1" latinLnBrk="0" hangingPunct="1">
+              <a:spcBef>
+                <a:spcPct val="20000"/>
+              </a:spcBef>
+              <a:buClr>
+                <a:schemeClr val="accent3"/>
+              </a:buClr>
+              <a:buSzPct val="95000"/>
+              <a:buFont typeface="Wingdings 2"/>
+              <a:buChar char=""/>
+              <a:defRPr kumimoji="0" sz="2600" kern="1200">
+                <a:solidFill>
+                  <a:schemeClr val="tx1"/>
+                </a:solidFill>
+                <a:latin typeface="+mn-lt"/>
+                <a:ea typeface="+mn-ea"/>
+                <a:cs typeface="+mn-cs"/>
+              </a:defRPr>
+            </a:lvl1pPr>
+            <a:lvl2pPr marL="640080" indent="-246888" algn="l" rtl="0" eaLnBrk="1" latinLnBrk="0" hangingPunct="1">
+              <a:spcBef>
+                <a:spcPct val="20000"/>
+              </a:spcBef>
+              <a:buClr>
+                <a:schemeClr val="accent1"/>
+              </a:buClr>
+              <a:buSzPct val="85000"/>
+              <a:buFont typeface="Wingdings 2"/>
+              <a:buChar char=""/>
+              <a:defRPr kumimoji="0" sz="2400" kern="1200">
+                <a:solidFill>
+                  <a:schemeClr val="tx1"/>
+                </a:solidFill>
+                <a:latin typeface="+mn-lt"/>
+                <a:ea typeface="+mn-ea"/>
+                <a:cs typeface="+mn-cs"/>
+              </a:defRPr>
+            </a:lvl2pPr>
+            <a:lvl3pPr marL="914400" indent="-246888" algn="l" rtl="0" eaLnBrk="1" latinLnBrk="0" hangingPunct="1">
+              <a:spcBef>
+                <a:spcPct val="20000"/>
+              </a:spcBef>
+              <a:buClr>
+                <a:schemeClr val="accent2"/>
+              </a:buClr>
+              <a:buSzPct val="70000"/>
+              <a:buFont typeface="Wingdings 2"/>
+              <a:buChar char=""/>
+              <a:defRPr kumimoji="0" sz="2100" kern="1200">
+                <a:solidFill>
+                  <a:schemeClr val="tx1"/>
+                </a:solidFill>
+                <a:latin typeface="+mn-lt"/>
+                <a:ea typeface="+mn-ea"/>
+                <a:cs typeface="+mn-cs"/>
+              </a:defRPr>
+            </a:lvl3pPr>
+            <a:lvl4pPr marL="1188720" indent="-210312" algn="l" rtl="0" eaLnBrk="1" latinLnBrk="0" hangingPunct="1">
+              <a:spcBef>
+                <a:spcPct val="20000"/>
+              </a:spcBef>
+              <a:buClr>
+                <a:schemeClr val="accent3"/>
+              </a:buClr>
+              <a:buSzPct val="65000"/>
+              <a:buFont typeface="Wingdings 2"/>
+              <a:buChar char=""/>
+              <a:defRPr kumimoji="0" sz="2000" kern="1200">
+                <a:solidFill>
+                  <a:schemeClr val="tx1"/>
+                </a:solidFill>
+                <a:latin typeface="+mn-lt"/>
+                <a:ea typeface="+mn-ea"/>
+                <a:cs typeface="+mn-cs"/>
+              </a:defRPr>
+            </a:lvl4pPr>
+            <a:lvl5pPr marL="1463040" indent="-210312" algn="l" rtl="0" eaLnBrk="1" latinLnBrk="0" hangingPunct="1">
+              <a:spcBef>
+                <a:spcPct val="20000"/>
+              </a:spcBef>
+              <a:buClr>
+                <a:schemeClr val="accent4"/>
+              </a:buClr>
+              <a:buSzPct val="65000"/>
+              <a:buFont typeface="Wingdings 2"/>
+              <a:buChar char=""/>
+              <a:defRPr kumimoji="0" sz="2000" kern="1200">
+                <a:solidFill>
+                  <a:schemeClr val="tx1"/>
+                </a:solidFill>
+                <a:latin typeface="+mn-lt"/>
+                <a:ea typeface="+mn-ea"/>
+                <a:cs typeface="+mn-cs"/>
+              </a:defRPr>
+            </a:lvl5pPr>
+            <a:lvl6pPr marL="1737360" indent="-210312" algn="l" rtl="0" eaLnBrk="1" latinLnBrk="0" hangingPunct="1">
+              <a:spcBef>
+                <a:spcPct val="20000"/>
+              </a:spcBef>
+              <a:buClr>
+                <a:schemeClr val="accent5"/>
+              </a:buClr>
+              <a:buSzPct val="80000"/>
+              <a:buFont typeface="Wingdings 2"/>
+              <a:buChar char=""/>
+              <a:defRPr kumimoji="0" sz="1800" kern="1200">
+                <a:solidFill>
+                  <a:schemeClr val="tx1"/>
+                </a:solidFill>
+                <a:latin typeface="+mn-lt"/>
+                <a:ea typeface="+mn-ea"/>
+                <a:cs typeface="+mn-cs"/>
+              </a:defRPr>
+            </a:lvl6pPr>
+            <a:lvl7pPr marL="1920240" indent="-182880" algn="l" rtl="0" eaLnBrk="1" latinLnBrk="0" hangingPunct="1">
+              <a:spcBef>
+                <a:spcPct val="20000"/>
+              </a:spcBef>
+              <a:buClr>
+                <a:schemeClr val="accent6"/>
+              </a:buClr>
+              <a:buSzPct val="80000"/>
+              <a:buFont typeface="Wingdings 2"/>
+              <a:buChar char=""/>
+              <a:defRPr kumimoji="0" sz="1600" kern="1200" baseline="0">
+                <a:solidFill>
+                  <a:schemeClr val="tx1"/>
+                </a:solidFill>
+                <a:latin typeface="+mn-lt"/>
+                <a:ea typeface="+mn-ea"/>
+                <a:cs typeface="+mn-cs"/>
+              </a:defRPr>
+            </a:lvl7pPr>
+            <a:lvl8pPr marL="2194560" indent="-182880" algn="l" rtl="0" eaLnBrk="1" latinLnBrk="0" hangingPunct="1">
+              <a:spcBef>
+                <a:spcPct val="20000"/>
+              </a:spcBef>
+              <a:buClr>
+                <a:schemeClr val="tx2"/>
+              </a:buClr>
+              <a:buChar char="•"/>
+              <a:defRPr kumimoji="0" sz="1600" kern="1200">
+                <a:solidFill>
+                  <a:schemeClr val="tx1"/>
+                </a:solidFill>
+                <a:latin typeface="+mn-lt"/>
+                <a:ea typeface="+mn-ea"/>
+                <a:cs typeface="+mn-cs"/>
+              </a:defRPr>
+            </a:lvl8pPr>
+            <a:lvl9pPr marL="2468880" indent="-182880" algn="l" rtl="0" eaLnBrk="1" latinLnBrk="0" hangingPunct="1">
+              <a:spcBef>
+                <a:spcPct val="20000"/>
+              </a:spcBef>
+              <a:buClr>
+                <a:schemeClr val="tx2"/>
+              </a:buClr>
+              <a:buFontTx/>
+              <a:buChar char="•"/>
+              <a:defRPr kumimoji="0" sz="1400" kern="1200" baseline="0">
+                <a:solidFill>
+                  <a:schemeClr val="tx1"/>
+                </a:solidFill>
+                <a:latin typeface="+mn-lt"/>
+                <a:ea typeface="+mn-ea"/>
+                <a:cs typeface="+mn-cs"/>
+              </a:defRPr>
+            </a:lvl9pPr>
+          </a:lstStyle>
+          <a:p>
+            <a:pPr marL="0" indent="0" algn="ctr">
+              <a:buNone/>
+            </a:pPr>
+            <a:r>
+              <a:rPr lang="es-ES_tradnl" b="1" dirty="0" err="1" smtClean="0"/>
+              <a:t>Frames</a:t>
+            </a:r>
+            <a:r>
+              <a:rPr lang="es-ES_tradnl" b="1" dirty="0" smtClean="0"/>
+              <a:t> consecutivos de un vídeo</a:t>
+            </a:r>
+            <a:endParaRPr lang="es-ES" b="1" dirty="0"/>
+          </a:p>
+        </p:txBody>
+      </p:sp>
+    </p:spTree>
+    <p:extLst>
+      <p:ext uri="{BB962C8B-B14F-4D97-AF65-F5344CB8AC3E}">
+        <p14:creationId xmlns:p14="http://schemas.microsoft.com/office/powerpoint/2010/main" val="234303053"/>
+      </p:ext>
+    </p:extLst>
+  </p:cSld>
+  <p:clrMapOvr>
+    <a:masterClrMapping/>
+  </p:clrMapOvr>
+</p:sld>
+</file>
+
+<file path=ppt/slides/slide22.xml><?xml version="1.0" encoding="utf-8"?>
+<p:sld xmlns:a="http://schemas.openxmlformats.org/drawingml/2006/main" xmlns:r="http://schemas.openxmlformats.org/officeDocument/2006/relationships" xmlns:p="http://schemas.openxmlformats.org/presentationml/2006/main">
+  <p:cSld>
+    <p:spTree>
+      <p:nvGrpSpPr>
+        <p:cNvPr id="1" name=""/>
+        <p:cNvGrpSpPr/>
+        <p:nvPr/>
+      </p:nvGrpSpPr>
+      <p:grpSpPr>
+        <a:xfrm>
+          <a:off x="0" y="0"/>
+          <a:ext cx="0" cy="0"/>
+          <a:chOff x="0" y="0"/>
+          <a:chExt cx="0" cy="0"/>
+        </a:xfrm>
+      </p:grpSpPr>
+      <p:sp>
+        <p:nvSpPr>
+          <p:cNvPr id="2" name="1 Título"/>
+          <p:cNvSpPr>
+            <a:spLocks noGrp="1"/>
+          </p:cNvSpPr>
+          <p:nvPr>
+            <p:ph type="title"/>
+          </p:nvPr>
+        </p:nvSpPr>
+        <p:spPr/>
+        <p:txBody>
+          <a:bodyPr/>
+          <a:lstStyle/>
+          <a:p>
+            <a:r>
+              <a:rPr lang="es-ES_tradnl" dirty="0" smtClean="0"/>
+              <a:t>Resultado</a:t>
+            </a:r>
+            <a:endParaRPr lang="es-ES" dirty="0"/>
+          </a:p>
+        </p:txBody>
+      </p:sp>
+      <p:sp>
+        <p:nvSpPr>
+          <p:cNvPr id="3" name="2 Marcador de texto"/>
+          <p:cNvSpPr>
+            <a:spLocks noGrp="1"/>
+          </p:cNvSpPr>
+          <p:nvPr>
+            <p:ph type="body" idx="1"/>
+          </p:nvPr>
+        </p:nvSpPr>
+        <p:spPr>
+          <a:xfrm>
+            <a:off x="394127" y="2392175"/>
+            <a:ext cx="2767796" cy="659352"/>
+          </a:xfrm>
+        </p:spPr>
+        <p:txBody>
+          <a:bodyPr/>
+          <a:lstStyle/>
+          <a:p>
+            <a:pPr algn="ctr"/>
+            <a:r>
+              <a:rPr lang="es-ES_tradnl" dirty="0" err="1" smtClean="0">
+                <a:solidFill>
+                  <a:schemeClr val="tx1"/>
+                </a:solidFill>
+              </a:rPr>
+              <a:t>Difference</a:t>
+            </a:r>
+            <a:endParaRPr lang="es-ES" dirty="0">
+              <a:solidFill>
+                <a:schemeClr val="tx1"/>
+              </a:solidFill>
+            </a:endParaRPr>
+          </a:p>
+        </p:txBody>
+      </p:sp>
+      <p:sp>
+        <p:nvSpPr>
+          <p:cNvPr id="4" name="3 Marcador de texto"/>
+          <p:cNvSpPr>
+            <a:spLocks noGrp="1"/>
+          </p:cNvSpPr>
+          <p:nvPr>
+            <p:ph type="body" sz="half" idx="3"/>
+          </p:nvPr>
+        </p:nvSpPr>
+        <p:spPr>
+          <a:xfrm>
+            <a:off x="5917026" y="2417541"/>
+            <a:ext cx="2746648" cy="654843"/>
+          </a:xfrm>
+        </p:spPr>
+        <p:txBody>
+          <a:bodyPr/>
+          <a:lstStyle/>
+          <a:p>
+            <a:pPr algn="ctr"/>
+            <a:r>
+              <a:rPr lang="es-ES_tradnl" dirty="0" err="1" smtClean="0">
+                <a:solidFill>
+                  <a:schemeClr val="tx1"/>
+                </a:solidFill>
+              </a:rPr>
+              <a:t>Erosion</a:t>
+            </a:r>
+            <a:endParaRPr lang="es-ES" dirty="0">
+              <a:solidFill>
+                <a:schemeClr val="tx1"/>
+              </a:solidFill>
+            </a:endParaRPr>
+          </a:p>
+        </p:txBody>
+      </p:sp>
+      <p:pic>
+        <p:nvPicPr>
+          <p:cNvPr id="8" name="7 Marcador de contenido"/>
+          <p:cNvPicPr>
+            <a:picLocks noGrp="1" noChangeAspect="1"/>
+          </p:cNvPicPr>
+          <p:nvPr>
+            <p:ph sz="quarter" idx="2"/>
+          </p:nvPr>
+        </p:nvPicPr>
+        <p:blipFill>
+          <a:blip r:embed="rId2">
+            <a:extLst>
+              <a:ext uri="{28A0092B-C50C-407E-A947-70E740481C1C}">
+                <a14:useLocalDpi xmlns:a14="http://schemas.microsoft.com/office/drawing/2010/main" val="0"/>
+              </a:ext>
+            </a:extLst>
+          </a:blip>
+          <a:stretch>
+            <a:fillRect/>
+          </a:stretch>
+        </p:blipFill>
+        <p:spPr>
+          <a:xfrm>
+            <a:off x="323528" y="3086164"/>
+            <a:ext cx="2746375" cy="2059781"/>
+          </a:xfrm>
+        </p:spPr>
+      </p:pic>
+      <p:pic>
+        <p:nvPicPr>
+          <p:cNvPr id="9" name="8 Marcador de contenido"/>
+          <p:cNvPicPr>
+            <a:picLocks noGrp="1" noChangeAspect="1"/>
+          </p:cNvPicPr>
+          <p:nvPr>
+            <p:ph sz="quarter" idx="4"/>
+          </p:nvPr>
+        </p:nvPicPr>
+        <p:blipFill>
+          <a:blip r:embed="rId3">
+            <a:extLst>
+              <a:ext uri="{28A0092B-C50C-407E-A947-70E740481C1C}">
+                <a14:useLocalDpi xmlns:a14="http://schemas.microsoft.com/office/drawing/2010/main" val="0"/>
+              </a:ext>
+            </a:extLst>
+          </a:blip>
+          <a:stretch>
+            <a:fillRect/>
+          </a:stretch>
+        </p:blipFill>
+        <p:spPr>
+          <a:xfrm>
+            <a:off x="6012160" y="3070352"/>
+            <a:ext cx="2746375" cy="2059781"/>
+          </a:xfrm>
+        </p:spPr>
+      </p:pic>
+      <p:sp>
+        <p:nvSpPr>
+          <p:cNvPr id="7" name="4 Marcador de contenido"/>
+          <p:cNvSpPr txBox="1">
+            <a:spLocks/>
+          </p:cNvSpPr>
+          <p:nvPr/>
+        </p:nvSpPr>
+        <p:spPr>
+          <a:xfrm>
+            <a:off x="3203848" y="2492896"/>
+            <a:ext cx="2746648" cy="3845720"/>
+          </a:xfrm>
+          <a:prstGeom prst="rect">
+            <a:avLst/>
+          </a:prstGeom>
+        </p:spPr>
+        <p:txBody>
+          <a:bodyPr vert="horz" tIns="0">
+            <a:normAutofit/>
+          </a:bodyPr>
+          <a:lstStyle>
+            <a:lvl1pPr marL="274320" indent="-274320" algn="l" rtl="0" eaLnBrk="1" latinLnBrk="0" hangingPunct="1">
+              <a:spcBef>
+                <a:spcPct val="20000"/>
+              </a:spcBef>
+              <a:buClr>
+                <a:schemeClr val="accent3"/>
+              </a:buClr>
+              <a:buSzPct val="95000"/>
+              <a:buFont typeface="Wingdings 2"/>
+              <a:buChar char=""/>
+              <a:defRPr kumimoji="0" sz="2200" kern="1200">
+                <a:solidFill>
+                  <a:schemeClr val="tx1"/>
+                </a:solidFill>
+                <a:latin typeface="+mn-lt"/>
+                <a:ea typeface="+mn-ea"/>
+                <a:cs typeface="+mn-cs"/>
+              </a:defRPr>
+            </a:lvl1pPr>
+            <a:lvl2pPr marL="640080" indent="-246888" algn="l" rtl="0" eaLnBrk="1" latinLnBrk="0" hangingPunct="1">
+              <a:spcBef>
+                <a:spcPct val="20000"/>
+              </a:spcBef>
+              <a:buClr>
+                <a:schemeClr val="accent1"/>
+              </a:buClr>
+              <a:buSzPct val="85000"/>
+              <a:buFont typeface="Wingdings 2"/>
+              <a:buChar char=""/>
+              <a:defRPr kumimoji="0" sz="2000" kern="1200">
+                <a:solidFill>
+                  <a:schemeClr val="tx1"/>
+                </a:solidFill>
+                <a:latin typeface="+mn-lt"/>
+                <a:ea typeface="+mn-ea"/>
+                <a:cs typeface="+mn-cs"/>
+              </a:defRPr>
+            </a:lvl2pPr>
+            <a:lvl3pPr marL="914400" indent="-246888" algn="l" rtl="0" eaLnBrk="1" latinLnBrk="0" hangingPunct="1">
+              <a:spcBef>
+                <a:spcPct val="20000"/>
+              </a:spcBef>
+              <a:buClr>
+                <a:schemeClr val="accent2"/>
+              </a:buClr>
+              <a:buSzPct val="70000"/>
+              <a:buFont typeface="Wingdings 2"/>
+              <a:buChar char=""/>
+              <a:defRPr kumimoji="0" sz="1800" kern="1200">
+                <a:solidFill>
+                  <a:schemeClr val="tx1"/>
+                </a:solidFill>
+                <a:latin typeface="+mn-lt"/>
+                <a:ea typeface="+mn-ea"/>
+                <a:cs typeface="+mn-cs"/>
+              </a:defRPr>
+            </a:lvl3pPr>
+            <a:lvl4pPr marL="1188720" indent="-210312" algn="l" rtl="0" eaLnBrk="1" latinLnBrk="0" hangingPunct="1">
+              <a:spcBef>
+                <a:spcPct val="20000"/>
+              </a:spcBef>
+              <a:buClr>
+                <a:schemeClr val="accent3"/>
+              </a:buClr>
+              <a:buSzPct val="65000"/>
+              <a:buFont typeface="Wingdings 2"/>
+              <a:buChar char=""/>
+              <a:defRPr kumimoji="0" sz="1600" kern="1200">
+                <a:solidFill>
+                  <a:schemeClr val="tx1"/>
+                </a:solidFill>
+                <a:latin typeface="+mn-lt"/>
+                <a:ea typeface="+mn-ea"/>
+                <a:cs typeface="+mn-cs"/>
+              </a:defRPr>
+            </a:lvl4pPr>
+            <a:lvl5pPr marL="1463040" indent="-210312" algn="l" rtl="0" eaLnBrk="1" latinLnBrk="0" hangingPunct="1">
+              <a:spcBef>
+                <a:spcPct val="20000"/>
+              </a:spcBef>
+              <a:buClr>
+                <a:schemeClr val="accent4"/>
+              </a:buClr>
+              <a:buSzPct val="65000"/>
+              <a:buFont typeface="Wingdings 2"/>
+              <a:buChar char=""/>
+              <a:defRPr kumimoji="0" sz="1600" kern="1200">
+                <a:solidFill>
+                  <a:schemeClr val="tx1"/>
+                </a:solidFill>
+                <a:latin typeface="+mn-lt"/>
+                <a:ea typeface="+mn-ea"/>
+                <a:cs typeface="+mn-cs"/>
+              </a:defRPr>
+            </a:lvl5pPr>
+            <a:lvl6pPr marL="1737360" indent="-210312" algn="l" rtl="0" eaLnBrk="1" latinLnBrk="0" hangingPunct="1">
+              <a:spcBef>
+                <a:spcPct val="20000"/>
+              </a:spcBef>
+              <a:buClr>
+                <a:schemeClr val="accent5"/>
+              </a:buClr>
+              <a:buSzPct val="80000"/>
+              <a:buFont typeface="Wingdings 2"/>
+              <a:buChar char=""/>
+              <a:defRPr kumimoji="0" sz="1800" kern="1200">
+                <a:solidFill>
+                  <a:schemeClr val="tx1"/>
+                </a:solidFill>
+                <a:latin typeface="+mn-lt"/>
+                <a:ea typeface="+mn-ea"/>
+                <a:cs typeface="+mn-cs"/>
+              </a:defRPr>
+            </a:lvl6pPr>
+            <a:lvl7pPr marL="1920240" indent="-182880" algn="l" rtl="0" eaLnBrk="1" latinLnBrk="0" hangingPunct="1">
+              <a:spcBef>
+                <a:spcPct val="20000"/>
+              </a:spcBef>
+              <a:buClr>
+                <a:schemeClr val="accent6"/>
+              </a:buClr>
+              <a:buSzPct val="80000"/>
+              <a:buFont typeface="Wingdings 2"/>
+              <a:buChar char=""/>
+              <a:defRPr kumimoji="0" sz="1600" kern="1200" baseline="0">
+                <a:solidFill>
+                  <a:schemeClr val="tx1"/>
+                </a:solidFill>
+                <a:latin typeface="+mn-lt"/>
+                <a:ea typeface="+mn-ea"/>
+                <a:cs typeface="+mn-cs"/>
+              </a:defRPr>
+            </a:lvl7pPr>
+            <a:lvl8pPr marL="2194560" indent="-182880" algn="l" rtl="0" eaLnBrk="1" latinLnBrk="0" hangingPunct="1">
+              <a:spcBef>
+                <a:spcPct val="20000"/>
+              </a:spcBef>
+              <a:buClr>
+                <a:schemeClr val="tx2"/>
+              </a:buClr>
+              <a:buChar char="•"/>
+              <a:defRPr kumimoji="0" sz="1600" kern="1200">
+                <a:solidFill>
+                  <a:schemeClr val="tx1"/>
+                </a:solidFill>
+                <a:latin typeface="+mn-lt"/>
+                <a:ea typeface="+mn-ea"/>
+                <a:cs typeface="+mn-cs"/>
+              </a:defRPr>
+            </a:lvl8pPr>
+            <a:lvl9pPr marL="2468880" indent="-182880" algn="l" rtl="0" eaLnBrk="1" latinLnBrk="0" hangingPunct="1">
+              <a:spcBef>
+                <a:spcPct val="20000"/>
+              </a:spcBef>
+              <a:buClr>
+                <a:schemeClr val="tx2"/>
+              </a:buClr>
+              <a:buFontTx/>
+              <a:buChar char="•"/>
+              <a:defRPr kumimoji="0" sz="1400" kern="1200" baseline="0">
+                <a:solidFill>
+                  <a:schemeClr val="tx1"/>
+                </a:solidFill>
+                <a:latin typeface="+mn-lt"/>
+                <a:ea typeface="+mn-ea"/>
+                <a:cs typeface="+mn-cs"/>
+              </a:defRPr>
+            </a:lvl9pPr>
+          </a:lstStyle>
+          <a:p>
+            <a:endParaRPr lang="es-ES" dirty="0"/>
+          </a:p>
+        </p:txBody>
+      </p:sp>
+      <p:pic>
+        <p:nvPicPr>
+          <p:cNvPr id="10" name="9 Imagen"/>
+          <p:cNvPicPr>
+            <a:picLocks noChangeAspect="1"/>
+          </p:cNvPicPr>
+          <p:nvPr/>
+        </p:nvPicPr>
+        <p:blipFill>
+          <a:blip r:embed="rId4">
+            <a:extLst>
+              <a:ext uri="{28A0092B-C50C-407E-A947-70E740481C1C}">
+                <a14:useLocalDpi xmlns:a14="http://schemas.microsoft.com/office/drawing/2010/main" val="0"/>
+              </a:ext>
+            </a:extLst>
+          </a:blip>
+          <a:stretch>
+            <a:fillRect/>
+          </a:stretch>
+        </p:blipFill>
+        <p:spPr>
+          <a:xfrm>
+            <a:off x="3169300" y="3072385"/>
+            <a:ext cx="2743664" cy="2057748"/>
+          </a:xfrm>
+          <a:prstGeom prst="rect">
+            <a:avLst/>
+          </a:prstGeom>
+        </p:spPr>
+      </p:pic>
+      <p:sp>
+        <p:nvSpPr>
+          <p:cNvPr id="12" name="3 Marcador de texto"/>
+          <p:cNvSpPr txBox="1">
+            <a:spLocks/>
+          </p:cNvSpPr>
+          <p:nvPr/>
+        </p:nvSpPr>
+        <p:spPr>
+          <a:xfrm>
+            <a:off x="3166316" y="2417542"/>
+            <a:ext cx="2746648" cy="654843"/>
+          </a:xfrm>
+          <a:prstGeom prst="rect">
+            <a:avLst/>
+          </a:prstGeom>
+        </p:spPr>
+        <p:txBody>
+          <a:bodyPr vert="horz" lIns="45720" tIns="0" rIns="45720" bIns="0" anchor="ctr">
+            <a:normAutofit/>
+          </a:bodyPr>
+          <a:lstStyle>
+            <a:lvl1pPr marL="0" indent="0" algn="l" rtl="0" eaLnBrk="1" latinLnBrk="0" hangingPunct="1">
+              <a:spcBef>
+                <a:spcPct val="20000"/>
+              </a:spcBef>
+              <a:buClr>
+                <a:schemeClr val="accent3"/>
+              </a:buClr>
+              <a:buSzPct val="95000"/>
+              <a:buFont typeface="Wingdings 2"/>
+              <a:buNone/>
+              <a:defRPr kumimoji="0" sz="2400" b="1" kern="1200" cap="none" baseline="0">
+                <a:solidFill>
+                  <a:schemeClr val="tx2"/>
+                </a:solidFill>
+                <a:effectLst/>
+                <a:latin typeface="+mn-lt"/>
+                <a:ea typeface="+mn-ea"/>
+                <a:cs typeface="+mn-cs"/>
+              </a:defRPr>
+            </a:lvl1pPr>
+            <a:lvl2pPr marL="640080" indent="-246888" algn="l" rtl="0" eaLnBrk="1" latinLnBrk="0" hangingPunct="1">
+              <a:spcBef>
+                <a:spcPct val="20000"/>
+              </a:spcBef>
+              <a:buClr>
+                <a:schemeClr val="accent1"/>
+              </a:buClr>
+              <a:buSzPct val="85000"/>
+              <a:buFont typeface="Wingdings 2"/>
+              <a:buNone/>
+              <a:defRPr kumimoji="0" sz="2000" b="1" kern="1200">
+                <a:solidFill>
+                  <a:schemeClr val="tx1"/>
+                </a:solidFill>
+                <a:latin typeface="+mn-lt"/>
+                <a:ea typeface="+mn-ea"/>
+                <a:cs typeface="+mn-cs"/>
+              </a:defRPr>
+            </a:lvl2pPr>
+            <a:lvl3pPr marL="914400" indent="-246888" algn="l" rtl="0" eaLnBrk="1" latinLnBrk="0" hangingPunct="1">
+              <a:spcBef>
+                <a:spcPct val="20000"/>
+              </a:spcBef>
+              <a:buClr>
+                <a:schemeClr val="accent2"/>
+              </a:buClr>
+              <a:buSzPct val="70000"/>
+              <a:buFont typeface="Wingdings 2"/>
+              <a:buNone/>
+              <a:defRPr kumimoji="0" sz="1800" b="1" kern="1200">
+                <a:solidFill>
+                  <a:schemeClr val="tx1"/>
+                </a:solidFill>
+                <a:latin typeface="+mn-lt"/>
+                <a:ea typeface="+mn-ea"/>
+                <a:cs typeface="+mn-cs"/>
+              </a:defRPr>
+            </a:lvl3pPr>
+            <a:lvl4pPr marL="1188720" indent="-210312" algn="l" rtl="0" eaLnBrk="1" latinLnBrk="0" hangingPunct="1">
+              <a:spcBef>
+                <a:spcPct val="20000"/>
+              </a:spcBef>
+              <a:buClr>
+                <a:schemeClr val="accent3"/>
+              </a:buClr>
+              <a:buSzPct val="65000"/>
+              <a:buFont typeface="Wingdings 2"/>
+              <a:buNone/>
+              <a:defRPr kumimoji="0" sz="1600" b="1" kern="1200">
+                <a:solidFill>
+                  <a:schemeClr val="tx1"/>
+                </a:solidFill>
+                <a:latin typeface="+mn-lt"/>
+                <a:ea typeface="+mn-ea"/>
+                <a:cs typeface="+mn-cs"/>
+              </a:defRPr>
+            </a:lvl4pPr>
+            <a:lvl5pPr marL="1463040" indent="-210312" algn="l" rtl="0" eaLnBrk="1" latinLnBrk="0" hangingPunct="1">
+              <a:spcBef>
+                <a:spcPct val="20000"/>
+              </a:spcBef>
+              <a:buClr>
+                <a:schemeClr val="accent4"/>
+              </a:buClr>
+              <a:buSzPct val="65000"/>
+              <a:buFont typeface="Wingdings 2"/>
+              <a:buNone/>
+              <a:defRPr kumimoji="0" sz="1600" b="1" kern="1200">
+                <a:solidFill>
+                  <a:schemeClr val="tx1"/>
+                </a:solidFill>
+                <a:latin typeface="+mn-lt"/>
+                <a:ea typeface="+mn-ea"/>
+                <a:cs typeface="+mn-cs"/>
+              </a:defRPr>
+            </a:lvl5pPr>
+            <a:lvl6pPr marL="1737360" indent="-210312" algn="l" rtl="0" eaLnBrk="1" latinLnBrk="0" hangingPunct="1">
+              <a:spcBef>
+                <a:spcPct val="20000"/>
+              </a:spcBef>
+              <a:buClr>
+                <a:schemeClr val="accent5"/>
+              </a:buClr>
+              <a:buSzPct val="80000"/>
+              <a:buFont typeface="Wingdings 2"/>
+              <a:buChar char=""/>
+              <a:defRPr kumimoji="0" sz="1800" kern="1200">
+                <a:solidFill>
+                  <a:schemeClr val="tx1"/>
+                </a:solidFill>
+                <a:latin typeface="+mn-lt"/>
+                <a:ea typeface="+mn-ea"/>
+                <a:cs typeface="+mn-cs"/>
+              </a:defRPr>
+            </a:lvl6pPr>
+            <a:lvl7pPr marL="1920240" indent="-182880" algn="l" rtl="0" eaLnBrk="1" latinLnBrk="0" hangingPunct="1">
+              <a:spcBef>
+                <a:spcPct val="20000"/>
+              </a:spcBef>
+              <a:buClr>
+                <a:schemeClr val="accent6"/>
+              </a:buClr>
+              <a:buSzPct val="80000"/>
+              <a:buFont typeface="Wingdings 2"/>
+              <a:buChar char=""/>
+              <a:defRPr kumimoji="0" sz="1600" kern="1200" baseline="0">
+                <a:solidFill>
+                  <a:schemeClr val="tx1"/>
+                </a:solidFill>
+                <a:latin typeface="+mn-lt"/>
+                <a:ea typeface="+mn-ea"/>
+                <a:cs typeface="+mn-cs"/>
+              </a:defRPr>
+            </a:lvl7pPr>
+            <a:lvl8pPr marL="2194560" indent="-182880" algn="l" rtl="0" eaLnBrk="1" latinLnBrk="0" hangingPunct="1">
+              <a:spcBef>
+                <a:spcPct val="20000"/>
+              </a:spcBef>
+              <a:buClr>
+                <a:schemeClr val="tx2"/>
+              </a:buClr>
+              <a:buChar char="•"/>
+              <a:defRPr kumimoji="0" sz="1600" kern="1200">
+                <a:solidFill>
+                  <a:schemeClr val="tx1"/>
+                </a:solidFill>
+                <a:latin typeface="+mn-lt"/>
+                <a:ea typeface="+mn-ea"/>
+                <a:cs typeface="+mn-cs"/>
+              </a:defRPr>
+            </a:lvl8pPr>
+            <a:lvl9pPr marL="2468880" indent="-182880" algn="l" rtl="0" eaLnBrk="1" latinLnBrk="0" hangingPunct="1">
+              <a:spcBef>
+                <a:spcPct val="20000"/>
+              </a:spcBef>
+              <a:buClr>
+                <a:schemeClr val="tx2"/>
+              </a:buClr>
+              <a:buFontTx/>
+              <a:buChar char="•"/>
+              <a:defRPr kumimoji="0" sz="1400" kern="1200" baseline="0">
+                <a:solidFill>
+                  <a:schemeClr val="tx1"/>
+                </a:solidFill>
+                <a:latin typeface="+mn-lt"/>
+                <a:ea typeface="+mn-ea"/>
+                <a:cs typeface="+mn-cs"/>
+              </a:defRPr>
+            </a:lvl9pPr>
+          </a:lstStyle>
+          <a:p>
+            <a:pPr algn="ctr"/>
+            <a:r>
+              <a:rPr lang="es-ES_tradnl" dirty="0" err="1" smtClean="0">
+                <a:solidFill>
+                  <a:schemeClr val="tx1"/>
+                </a:solidFill>
+              </a:rPr>
+              <a:t>Threshold</a:t>
+            </a:r>
+            <a:endParaRPr lang="es-ES" dirty="0">
+              <a:solidFill>
+                <a:schemeClr val="tx1"/>
+              </a:solidFill>
+            </a:endParaRPr>
+          </a:p>
+        </p:txBody>
+      </p:sp>
+    </p:spTree>
+    <p:extLst>
+      <p:ext uri="{BB962C8B-B14F-4D97-AF65-F5344CB8AC3E}">
+        <p14:creationId xmlns:p14="http://schemas.microsoft.com/office/powerpoint/2010/main" val="2837631576"/>
+      </p:ext>
+    </p:extLst>
+  </p:cSld>
+  <p:clrMapOvr>
+    <a:masterClrMapping/>
+  </p:clrMapOvr>
+</p:sld>
+</file>
+
+<file path=ppt/slides/slide23.xml><?xml version="1.0" encoding="utf-8"?>
+<p:sld xmlns:a="http://schemas.openxmlformats.org/drawingml/2006/main" xmlns:r="http://schemas.openxmlformats.org/officeDocument/2006/relationships" xmlns:p="http://schemas.openxmlformats.org/presentationml/2006/main">
+  <p:cSld>
+    <p:spTree>
+      <p:nvGrpSpPr>
+        <p:cNvPr id="1" name=""/>
+        <p:cNvGrpSpPr/>
+        <p:nvPr/>
+      </p:nvGrpSpPr>
+      <p:grpSpPr>
+        <a:xfrm>
+          <a:off x="0" y="0"/>
+          <a:ext cx="0" cy="0"/>
+          <a:chOff x="0" y="0"/>
+          <a:chExt cx="0" cy="0"/>
+        </a:xfrm>
+      </p:grpSpPr>
+      <p:sp>
+        <p:nvSpPr>
+          <p:cNvPr id="2" name="1 Título"/>
+          <p:cNvSpPr>
+            <a:spLocks noGrp="1"/>
+          </p:cNvSpPr>
+          <p:nvPr>
+            <p:ph type="title"/>
+          </p:nvPr>
+        </p:nvSpPr>
+        <p:spPr/>
+        <p:txBody>
+          <a:bodyPr/>
+          <a:lstStyle/>
+          <a:p>
+            <a:r>
+              <a:rPr lang="es-ES_tradnl" dirty="0" smtClean="0"/>
+              <a:t>Resultado</a:t>
+            </a:r>
+            <a:endParaRPr lang="es-ES" dirty="0"/>
+          </a:p>
+        </p:txBody>
+      </p:sp>
+      <p:pic>
+        <p:nvPicPr>
+          <p:cNvPr id="4" name="3 Marcador de contenido"/>
+          <p:cNvPicPr>
+            <a:picLocks noGrp="1" noChangeAspect="1"/>
+          </p:cNvPicPr>
+          <p:nvPr>
+            <p:ph idx="1"/>
+          </p:nvPr>
+        </p:nvPicPr>
+        <p:blipFill>
+          <a:blip r:embed="rId2">
+            <a:extLst>
+              <a:ext uri="{28A0092B-C50C-407E-A947-70E740481C1C}">
+                <a14:useLocalDpi xmlns:a14="http://schemas.microsoft.com/office/drawing/2010/main" val="0"/>
+              </a:ext>
+            </a:extLst>
+          </a:blip>
+          <a:stretch>
+            <a:fillRect/>
+          </a:stretch>
+        </p:blipFill>
+        <p:spPr>
+          <a:xfrm>
+            <a:off x="3048000" y="2986881"/>
+            <a:ext cx="3048000" cy="2286000"/>
+          </a:xfrm>
+        </p:spPr>
+      </p:pic>
+      <p:sp>
+        <p:nvSpPr>
+          <p:cNvPr id="5" name="3 Marcador de texto"/>
+          <p:cNvSpPr txBox="1">
+            <a:spLocks/>
+          </p:cNvSpPr>
+          <p:nvPr/>
+        </p:nvSpPr>
+        <p:spPr>
+          <a:xfrm>
+            <a:off x="2371753" y="2420888"/>
+            <a:ext cx="4464496" cy="510827"/>
+          </a:xfrm>
+          <a:prstGeom prst="rect">
+            <a:avLst/>
+          </a:prstGeom>
+        </p:spPr>
+        <p:txBody>
+          <a:bodyPr/>
+          <a:lstStyle>
+            <a:lvl1pPr marL="274320" indent="-274320" algn="l" rtl="0" eaLnBrk="1" latinLnBrk="0" hangingPunct="1">
+              <a:spcBef>
+                <a:spcPct val="20000"/>
+              </a:spcBef>
+              <a:buClr>
+                <a:schemeClr val="accent3"/>
+              </a:buClr>
+              <a:buSzPct val="95000"/>
+              <a:buFont typeface="Wingdings 2"/>
+              <a:buChar char=""/>
+              <a:defRPr kumimoji="0" sz="2600" kern="1200">
+                <a:solidFill>
+                  <a:schemeClr val="tx1"/>
+                </a:solidFill>
+                <a:latin typeface="+mn-lt"/>
+                <a:ea typeface="+mn-ea"/>
+                <a:cs typeface="+mn-cs"/>
+              </a:defRPr>
+            </a:lvl1pPr>
+            <a:lvl2pPr marL="640080" indent="-246888" algn="l" rtl="0" eaLnBrk="1" latinLnBrk="0" hangingPunct="1">
+              <a:spcBef>
+                <a:spcPct val="20000"/>
+              </a:spcBef>
+              <a:buClr>
+                <a:schemeClr val="accent1"/>
+              </a:buClr>
+              <a:buSzPct val="85000"/>
+              <a:buFont typeface="Wingdings 2"/>
+              <a:buChar char=""/>
+              <a:defRPr kumimoji="0" sz="2400" kern="1200">
+                <a:solidFill>
+                  <a:schemeClr val="tx1"/>
+                </a:solidFill>
+                <a:latin typeface="+mn-lt"/>
+                <a:ea typeface="+mn-ea"/>
+                <a:cs typeface="+mn-cs"/>
+              </a:defRPr>
+            </a:lvl2pPr>
+            <a:lvl3pPr marL="914400" indent="-246888" algn="l" rtl="0" eaLnBrk="1" latinLnBrk="0" hangingPunct="1">
+              <a:spcBef>
+                <a:spcPct val="20000"/>
+              </a:spcBef>
+              <a:buClr>
+                <a:schemeClr val="accent2"/>
+              </a:buClr>
+              <a:buSzPct val="70000"/>
+              <a:buFont typeface="Wingdings 2"/>
+              <a:buChar char=""/>
+              <a:defRPr kumimoji="0" sz="2100" kern="1200">
+                <a:solidFill>
+                  <a:schemeClr val="tx1"/>
+                </a:solidFill>
+                <a:latin typeface="+mn-lt"/>
+                <a:ea typeface="+mn-ea"/>
+                <a:cs typeface="+mn-cs"/>
+              </a:defRPr>
+            </a:lvl3pPr>
+            <a:lvl4pPr marL="1188720" indent="-210312" algn="l" rtl="0" eaLnBrk="1" latinLnBrk="0" hangingPunct="1">
+              <a:spcBef>
+                <a:spcPct val="20000"/>
+              </a:spcBef>
+              <a:buClr>
+                <a:schemeClr val="accent3"/>
+              </a:buClr>
+              <a:buSzPct val="65000"/>
+              <a:buFont typeface="Wingdings 2"/>
+              <a:buChar char=""/>
+              <a:defRPr kumimoji="0" sz="2000" kern="1200">
+                <a:solidFill>
+                  <a:schemeClr val="tx1"/>
+                </a:solidFill>
+                <a:latin typeface="+mn-lt"/>
+                <a:ea typeface="+mn-ea"/>
+                <a:cs typeface="+mn-cs"/>
+              </a:defRPr>
+            </a:lvl4pPr>
+            <a:lvl5pPr marL="1463040" indent="-210312" algn="l" rtl="0" eaLnBrk="1" latinLnBrk="0" hangingPunct="1">
+              <a:spcBef>
+                <a:spcPct val="20000"/>
+              </a:spcBef>
+              <a:buClr>
+                <a:schemeClr val="accent4"/>
+              </a:buClr>
+              <a:buSzPct val="65000"/>
+              <a:buFont typeface="Wingdings 2"/>
+              <a:buChar char=""/>
+              <a:defRPr kumimoji="0" sz="2000" kern="1200">
+                <a:solidFill>
+                  <a:schemeClr val="tx1"/>
+                </a:solidFill>
+                <a:latin typeface="+mn-lt"/>
+                <a:ea typeface="+mn-ea"/>
+                <a:cs typeface="+mn-cs"/>
+              </a:defRPr>
+            </a:lvl5pPr>
+            <a:lvl6pPr marL="1737360" indent="-210312" algn="l" rtl="0" eaLnBrk="1" latinLnBrk="0" hangingPunct="1">
+              <a:spcBef>
+                <a:spcPct val="20000"/>
+              </a:spcBef>
+              <a:buClr>
+                <a:schemeClr val="accent5"/>
+              </a:buClr>
+              <a:buSzPct val="80000"/>
+              <a:buFont typeface="Wingdings 2"/>
+              <a:buChar char=""/>
+              <a:defRPr kumimoji="0" sz="1800" kern="1200">
+                <a:solidFill>
+                  <a:schemeClr val="tx1"/>
+                </a:solidFill>
+                <a:latin typeface="+mn-lt"/>
+                <a:ea typeface="+mn-ea"/>
+                <a:cs typeface="+mn-cs"/>
+              </a:defRPr>
+            </a:lvl6pPr>
+            <a:lvl7pPr marL="1920240" indent="-182880" algn="l" rtl="0" eaLnBrk="1" latinLnBrk="0" hangingPunct="1">
+              <a:spcBef>
+                <a:spcPct val="20000"/>
+              </a:spcBef>
+              <a:buClr>
+                <a:schemeClr val="accent6"/>
+              </a:buClr>
+              <a:buSzPct val="80000"/>
+              <a:buFont typeface="Wingdings 2"/>
+              <a:buChar char=""/>
+              <a:defRPr kumimoji="0" sz="1600" kern="1200" baseline="0">
+                <a:solidFill>
+                  <a:schemeClr val="tx1"/>
+                </a:solidFill>
+                <a:latin typeface="+mn-lt"/>
+                <a:ea typeface="+mn-ea"/>
+                <a:cs typeface="+mn-cs"/>
+              </a:defRPr>
+            </a:lvl7pPr>
+            <a:lvl8pPr marL="2194560" indent="-182880" algn="l" rtl="0" eaLnBrk="1" latinLnBrk="0" hangingPunct="1">
+              <a:spcBef>
+                <a:spcPct val="20000"/>
+              </a:spcBef>
+              <a:buClr>
+                <a:schemeClr val="tx2"/>
+              </a:buClr>
+              <a:buChar char="•"/>
+              <a:defRPr kumimoji="0" sz="1600" kern="1200">
+                <a:solidFill>
+                  <a:schemeClr val="tx1"/>
+                </a:solidFill>
+                <a:latin typeface="+mn-lt"/>
+                <a:ea typeface="+mn-ea"/>
+                <a:cs typeface="+mn-cs"/>
+              </a:defRPr>
+            </a:lvl8pPr>
+            <a:lvl9pPr marL="2468880" indent="-182880" algn="l" rtl="0" eaLnBrk="1" latinLnBrk="0" hangingPunct="1">
+              <a:spcBef>
+                <a:spcPct val="20000"/>
+              </a:spcBef>
+              <a:buClr>
+                <a:schemeClr val="tx2"/>
+              </a:buClr>
+              <a:buFontTx/>
+              <a:buChar char="•"/>
+              <a:defRPr kumimoji="0" sz="1400" kern="1200" baseline="0">
+                <a:solidFill>
+                  <a:schemeClr val="tx1"/>
+                </a:solidFill>
+                <a:latin typeface="+mn-lt"/>
+                <a:ea typeface="+mn-ea"/>
+                <a:cs typeface="+mn-cs"/>
+              </a:defRPr>
+            </a:lvl9pPr>
+          </a:lstStyle>
+          <a:p>
+            <a:pPr marL="0" indent="0" algn="ctr">
+              <a:buNone/>
+            </a:pPr>
+            <a:r>
+              <a:rPr lang="es-ES_tradnl" b="1" dirty="0" smtClean="0"/>
+              <a:t>Detección de movimiento</a:t>
+            </a:r>
+            <a:endParaRPr lang="es-ES" b="1" dirty="0"/>
+          </a:p>
+        </p:txBody>
+      </p:sp>
+    </p:spTree>
+    <p:extLst>
+      <p:ext uri="{BB962C8B-B14F-4D97-AF65-F5344CB8AC3E}">
+        <p14:creationId xmlns:p14="http://schemas.microsoft.com/office/powerpoint/2010/main" val="3083449049"/>
+      </p:ext>
+    </p:extLst>
+  </p:cSld>
+  <p:clrMapOvr>
+    <a:masterClrMapping/>
+  </p:clrMapOvr>
+</p:sld>
+</file>
+
 <file path=ppt/slides/slide3.xml><?xml version="1.0" encoding="utf-8"?>
 <p:sld xmlns:a="http://schemas.openxmlformats.org/drawingml/2006/main" xmlns:r="http://schemas.openxmlformats.org/officeDocument/2006/relationships" xmlns:p="http://schemas.openxmlformats.org/presentationml/2006/main">
   <p:cSld>
@@ -6337,12 +8268,8 @@
           </a:p>
           <a:p>
             <a:r>
-              <a:rPr lang="es-ES" dirty="0" smtClean="0"/>
-              <a:t>CUDA </a:t>
-            </a:r>
-            <a:r>
               <a:rPr lang="es-ES" dirty="0"/>
-              <a:t>(Compute </a:t>
+              <a:t>CUDA (Compute </a:t>
             </a:r>
             <a:r>
               <a:rPr lang="es-ES" dirty="0" err="1"/>
@@ -6366,13 +8293,13 @@
             </a:r>
             <a:r>
               <a:rPr lang="es-ES" dirty="0"/>
-              <a:t>) es una estructura de computación paralela desarrollada por NVIDIA que permite codificar algoritmos en sus GPU.</a:t>
+              <a:t>) es una estructura de computación paralela.</a:t>
             </a:r>
           </a:p>
           <a:p>
             <a:r>
               <a:rPr lang="es-ES" dirty="0"/>
-              <a:t>El lenguaje de programación empleado es una variación de C que contiene extensiones para trabajar con la GPU y ciertas restricciones.</a:t>
+              <a:t>El lenguaje que se emplea una variación de C.</a:t>
             </a:r>
           </a:p>
           <a:p>
@@ -6466,12 +8393,8 @@
           </a:p>
           <a:p>
             <a:r>
-              <a:rPr lang="es-ES" dirty="0" smtClean="0"/>
-              <a:t>PyCUDA </a:t>
-            </a:r>
-            <a:r>
               <a:rPr lang="es-ES" dirty="0"/>
-              <a:t>es un </a:t>
+              <a:t>PyCUDA es un </a:t>
             </a:r>
             <a:r>
               <a:rPr lang="es-ES" i="1" dirty="0"/>
@@ -6499,17 +8422,7 @@
           <a:p>
             <a:r>
               <a:rPr lang="es-ES" dirty="0"/>
-              <a:t>Su principal ventaja consiste en abstraer al programador de la gestión de memoria, así como presentar una sintaxis clara y unas potentes estructuras de datos.</a:t>
-            </a:r>
-          </a:p>
-          <a:p>
-            <a:r>
-              <a:rPr lang="es-ES" dirty="0"/>
-              <a:t>La </a:t>
-            </a:r>
-            <a:r>
-              <a:rPr lang="es-ES" dirty="0" smtClean="0"/>
-              <a:t>librería </a:t>
+              <a:t>La librería </a:t>
             </a:r>
             <a:r>
               <a:rPr lang="es-ES" dirty="0" err="1"/>
@@ -6959,25 +8872,16 @@
           <a:p>
             <a:r>
               <a:rPr lang="es-ES_tradnl" dirty="0" smtClean="0"/>
-              <a:t>Cada </a:t>
-            </a:r>
-            <a:r>
-              <a:rPr lang="es-ES_tradnl" dirty="0" smtClean="0"/>
-              <a:t>bloque de hilos posee su </a:t>
+              <a:t>Cada bloque de hilos posee su </a:t>
             </a:r>
             <a:r>
               <a:rPr lang="es-ES_tradnl" b="1" dirty="0" smtClean="0"/>
-              <a:t>memoria </a:t>
-            </a:r>
-            <a:r>
-              <a:rPr lang="es-ES_tradnl" b="1" dirty="0" smtClean="0"/>
-              <a:t>compartida</a:t>
+              <a:t>memoria compartida</a:t>
             </a:r>
             <a:r>
               <a:rPr lang="es-ES_tradnl" dirty="0" smtClean="0"/>
               <a:t>.</a:t>
             </a:r>
-            <a:endParaRPr lang="es-ES_tradnl" dirty="0" smtClean="0"/>
           </a:p>
           <a:p>
             <a:r>

--- a/trunk/out/presentacion/presentacionTAD.pptx
+++ b/trunk/out/presentacion/presentacionTAD.pptx
@@ -25,9 +25,12 @@
     <p:sldId id="273" r:id="rId19"/>
     <p:sldId id="274" r:id="rId20"/>
     <p:sldId id="275" r:id="rId21"/>
-    <p:sldId id="276" r:id="rId22"/>
-    <p:sldId id="277" r:id="rId23"/>
-    <p:sldId id="278" r:id="rId24"/>
+    <p:sldId id="279" r:id="rId22"/>
+    <p:sldId id="276" r:id="rId23"/>
+    <p:sldId id="277" r:id="rId24"/>
+    <p:sldId id="278" r:id="rId25"/>
+    <p:sldId id="280" r:id="rId26"/>
+    <p:sldId id="281" r:id="rId27"/>
   </p:sldIdLst>
   <p:sldSz cx="9144000" cy="6858000" type="screen4x3"/>
   <p:notesSz cx="6858000" cy="9144000"/>
@@ -372,11 +375,11 @@
           <c:showBubbleSize val="0"/>
         </c:dLbls>
         <c:gapWidth val="150"/>
-        <c:axId val="91476736"/>
-        <c:axId val="91478656"/>
+        <c:axId val="89980288"/>
+        <c:axId val="137704192"/>
       </c:barChart>
       <c:catAx>
-        <c:axId val="91476736"/>
+        <c:axId val="89980288"/>
         <c:scaling>
           <c:orientation val="minMax"/>
         </c:scaling>
@@ -431,7 +434,7 @@
             <a:endParaRPr lang="es-ES"/>
           </a:p>
         </c:txPr>
-        <c:crossAx val="91478656"/>
+        <c:crossAx val="137704192"/>
         <c:crosses val="autoZero"/>
         <c:auto val="1"/>
         <c:lblAlgn val="ctr"/>
@@ -439,7 +442,7 @@
         <c:noMultiLvlLbl val="0"/>
       </c:catAx>
       <c:valAx>
-        <c:axId val="91478656"/>
+        <c:axId val="137704192"/>
         <c:scaling>
           <c:orientation val="minMax"/>
         </c:scaling>
@@ -499,7 +502,7 @@
             <a:endParaRPr lang="es-ES"/>
           </a:p>
         </c:txPr>
-        <c:crossAx val="91476736"/>
+        <c:crossAx val="89980288"/>
         <c:crosses val="autoZero"/>
         <c:crossBetween val="between"/>
       </c:valAx>
@@ -4666,7 +4669,7 @@
           <a:p>
             <a:r>
               <a:rPr lang="es-ES_tradnl" dirty="0" smtClean="0"/>
-              <a:t>Hardware Utilizado</a:t>
+              <a:t>Recursos Hardware</a:t>
             </a:r>
             <a:endParaRPr lang="es-ES" dirty="0"/>
           </a:p>
@@ -6985,10 +6988,224 @@
   <p:clrMapOvr>
     <a:masterClrMapping/>
   </p:clrMapOvr>
+  <p:timing>
+    <p:tnLst>
+      <p:par>
+        <p:cTn id="1" dur="indefinite" restart="never" nodeType="tmRoot"/>
+      </p:par>
+    </p:tnLst>
+  </p:timing>
 </p:sld>
 </file>
 
 <file path=ppt/slides/slide21.xml><?xml version="1.0" encoding="utf-8"?>
+<p:sld xmlns:a="http://schemas.openxmlformats.org/drawingml/2006/main" xmlns:r="http://schemas.openxmlformats.org/officeDocument/2006/relationships" xmlns:p="http://schemas.openxmlformats.org/presentationml/2006/main">
+  <p:cSld>
+    <p:spTree>
+      <p:nvGrpSpPr>
+        <p:cNvPr id="1" name=""/>
+        <p:cNvGrpSpPr/>
+        <p:nvPr/>
+      </p:nvGrpSpPr>
+      <p:grpSpPr>
+        <a:xfrm>
+          <a:off x="0" y="0"/>
+          <a:ext cx="0" cy="0"/>
+          <a:chOff x="0" y="0"/>
+          <a:chExt cx="0" cy="0"/>
+        </a:xfrm>
+      </p:grpSpPr>
+      <p:sp>
+        <p:nvSpPr>
+          <p:cNvPr id="2" name="1 Título"/>
+          <p:cNvSpPr>
+            <a:spLocks noGrp="1"/>
+          </p:cNvSpPr>
+          <p:nvPr>
+            <p:ph type="title"/>
+          </p:nvPr>
+        </p:nvSpPr>
+        <p:spPr/>
+        <p:txBody>
+          <a:bodyPr/>
+          <a:lstStyle/>
+          <a:p>
+            <a:r>
+              <a:rPr lang="es-ES_tradnl" dirty="0" smtClean="0"/>
+              <a:t>Jerarquía de Clases</a:t>
+            </a:r>
+            <a:endParaRPr lang="es-ES" dirty="0"/>
+          </a:p>
+        </p:txBody>
+      </p:sp>
+      <p:pic>
+        <p:nvPicPr>
+          <p:cNvPr id="5" name="4 Imagen"/>
+          <p:cNvPicPr>
+            <a:picLocks noChangeAspect="1"/>
+          </p:cNvPicPr>
+          <p:nvPr/>
+        </p:nvPicPr>
+        <p:blipFill>
+          <a:blip r:embed="rId2">
+            <a:extLst>
+              <a:ext uri="{28A0092B-C50C-407E-A947-70E740481C1C}">
+                <a14:useLocalDpi xmlns:a14="http://schemas.microsoft.com/office/drawing/2010/main" val="0"/>
+              </a:ext>
+            </a:extLst>
+          </a:blip>
+          <a:stretch>
+            <a:fillRect/>
+          </a:stretch>
+        </p:blipFill>
+        <p:spPr>
+          <a:xfrm>
+            <a:off x="179512" y="1831222"/>
+            <a:ext cx="6142858" cy="4961905"/>
+          </a:xfrm>
+          <a:prstGeom prst="rect">
+            <a:avLst/>
+          </a:prstGeom>
+        </p:spPr>
+      </p:pic>
+      <p:pic>
+        <p:nvPicPr>
+          <p:cNvPr id="4" name="3 Marcador de contenido"/>
+          <p:cNvPicPr>
+            <a:picLocks noGrp="1" noChangeAspect="1"/>
+          </p:cNvPicPr>
+          <p:nvPr>
+            <p:ph idx="1"/>
+          </p:nvPr>
+        </p:nvPicPr>
+        <p:blipFill>
+          <a:blip r:embed="rId3">
+            <a:extLst>
+              <a:ext uri="{28A0092B-C50C-407E-A947-70E740481C1C}">
+                <a14:useLocalDpi xmlns:a14="http://schemas.microsoft.com/office/drawing/2010/main" val="0"/>
+              </a:ext>
+            </a:extLst>
+          </a:blip>
+          <a:stretch>
+            <a:fillRect/>
+          </a:stretch>
+        </p:blipFill>
+        <p:spPr>
+          <a:xfrm>
+            <a:off x="5940152" y="3284984"/>
+            <a:ext cx="3112140" cy="1761588"/>
+          </a:xfrm>
+        </p:spPr>
+      </p:pic>
+      <p:sp>
+        <p:nvSpPr>
+          <p:cNvPr id="9" name="8 Arco"/>
+          <p:cNvSpPr/>
+          <p:nvPr/>
+        </p:nvSpPr>
+        <p:spPr>
+          <a:xfrm>
+            <a:off x="4644008" y="2492896"/>
+            <a:ext cx="3600400" cy="1512168"/>
+          </a:xfrm>
+          <a:prstGeom prst="arc">
+            <a:avLst/>
+          </a:prstGeom>
+          <a:ln w="19050">
+            <a:solidFill>
+              <a:srgbClr val="FF0000"/>
+            </a:solidFill>
+            <a:headEnd type="stealth"/>
+          </a:ln>
+        </p:spPr>
+        <p:style>
+          <a:lnRef idx="1">
+            <a:schemeClr val="accent1"/>
+          </a:lnRef>
+          <a:fillRef idx="0">
+            <a:schemeClr val="accent1"/>
+          </a:fillRef>
+          <a:effectRef idx="0">
+            <a:schemeClr val="accent1"/>
+          </a:effectRef>
+          <a:fontRef idx="minor">
+            <a:schemeClr val="tx1"/>
+          </a:fontRef>
+        </p:style>
+        <p:txBody>
+          <a:bodyPr rtlCol="0" anchor="ctr"/>
+          <a:lstStyle/>
+          <a:p>
+            <a:pPr algn="ctr"/>
+            <a:endParaRPr lang="es-ES"/>
+          </a:p>
+        </p:txBody>
+      </p:sp>
+      <p:sp>
+        <p:nvSpPr>
+          <p:cNvPr id="10" name="9 Arco"/>
+          <p:cNvSpPr/>
+          <p:nvPr/>
+        </p:nvSpPr>
+        <p:spPr>
+          <a:xfrm rot="19280585">
+            <a:off x="5674749" y="3016606"/>
+            <a:ext cx="2897474" cy="2276666"/>
+          </a:xfrm>
+          <a:prstGeom prst="arc">
+            <a:avLst/>
+          </a:prstGeom>
+          <a:ln w="19050">
+            <a:solidFill>
+              <a:srgbClr val="FF0000"/>
+            </a:solidFill>
+            <a:headEnd type="stealth"/>
+          </a:ln>
+        </p:spPr>
+        <p:style>
+          <a:lnRef idx="1">
+            <a:schemeClr val="accent1"/>
+          </a:lnRef>
+          <a:fillRef idx="0">
+            <a:schemeClr val="accent1"/>
+          </a:fillRef>
+          <a:effectRef idx="0">
+            <a:schemeClr val="accent1"/>
+          </a:effectRef>
+          <a:fontRef idx="minor">
+            <a:schemeClr val="tx1"/>
+          </a:fontRef>
+        </p:style>
+        <p:txBody>
+          <a:bodyPr rtlCol="0" anchor="ctr"/>
+          <a:lstStyle/>
+          <a:p>
+            <a:pPr algn="ctr"/>
+            <a:endParaRPr lang="es-ES"/>
+          </a:p>
+        </p:txBody>
+      </p:sp>
+    </p:spTree>
+    <p:extLst>
+      <p:ext uri="{BB962C8B-B14F-4D97-AF65-F5344CB8AC3E}">
+        <p14:creationId xmlns:p14="http://schemas.microsoft.com/office/powerpoint/2010/main" val="2844951382"/>
+      </p:ext>
+    </p:extLst>
+  </p:cSld>
+  <p:clrMapOvr>
+    <a:masterClrMapping/>
+  </p:clrMapOvr>
+  <p:timing>
+    <p:tnLst>
+      <p:par>
+        <p:cTn id="1" dur="indefinite" restart="never" nodeType="tmRoot"/>
+      </p:par>
+    </p:tnLst>
+  </p:timing>
+</p:sld>
+</file>
+
+<file path=ppt/slides/slide22.xml><?xml version="1.0" encoding="utf-8"?>
 <p:sld xmlns:a="http://schemas.openxmlformats.org/drawingml/2006/main" xmlns:r="http://schemas.openxmlformats.org/officeDocument/2006/relationships" xmlns:p="http://schemas.openxmlformats.org/presentationml/2006/main">
   <p:cSld>
     <p:spTree>
@@ -7302,10 +7519,17 @@
   <p:clrMapOvr>
     <a:masterClrMapping/>
   </p:clrMapOvr>
+  <p:timing>
+    <p:tnLst>
+      <p:par>
+        <p:cTn id="1" dur="indefinite" restart="never" nodeType="tmRoot"/>
+      </p:par>
+    </p:tnLst>
+  </p:timing>
 </p:sld>
 </file>
 
-<file path=ppt/slides/slide22.xml><?xml version="1.0" encoding="utf-8"?>
+<file path=ppt/slides/slide23.xml><?xml version="1.0" encoding="utf-8"?>
 <p:sld xmlns:a="http://schemas.openxmlformats.org/drawingml/2006/main" xmlns:r="http://schemas.openxmlformats.org/officeDocument/2006/relationships" xmlns:p="http://schemas.openxmlformats.org/presentationml/2006/main">
   <p:cSld>
     <p:spTree>
@@ -7923,10 +8147,17 @@
   <p:clrMapOvr>
     <a:masterClrMapping/>
   </p:clrMapOvr>
+  <p:timing>
+    <p:tnLst>
+      <p:par>
+        <p:cTn id="1" dur="indefinite" restart="never" nodeType="tmRoot"/>
+      </p:par>
+    </p:tnLst>
+  </p:timing>
 </p:sld>
 </file>
 
-<file path=ppt/slides/slide23.xml><?xml version="1.0" encoding="utf-8"?>
+<file path=ppt/slides/slide24.xml><?xml version="1.0" encoding="utf-8"?>
 <p:sld xmlns:a="http://schemas.openxmlformats.org/drawingml/2006/main" xmlns:r="http://schemas.openxmlformats.org/officeDocument/2006/relationships" xmlns:p="http://schemas.openxmlformats.org/presentationml/2006/main">
   <p:cSld>
     <p:spTree>
@@ -8200,6 +8431,195 @@
     <p:extLst>
       <p:ext uri="{BB962C8B-B14F-4D97-AF65-F5344CB8AC3E}">
         <p14:creationId xmlns:p14="http://schemas.microsoft.com/office/powerpoint/2010/main" val="3083449049"/>
+      </p:ext>
+    </p:extLst>
+  </p:cSld>
+  <p:clrMapOvr>
+    <a:masterClrMapping/>
+  </p:clrMapOvr>
+</p:sld>
+</file>
+
+<file path=ppt/slides/slide25.xml><?xml version="1.0" encoding="utf-8"?>
+<p:sld xmlns:a="http://schemas.openxmlformats.org/drawingml/2006/main" xmlns:r="http://schemas.openxmlformats.org/officeDocument/2006/relationships" xmlns:p="http://schemas.openxmlformats.org/presentationml/2006/main">
+  <p:cSld>
+    <p:spTree>
+      <p:nvGrpSpPr>
+        <p:cNvPr id="1" name=""/>
+        <p:cNvGrpSpPr/>
+        <p:nvPr/>
+      </p:nvGrpSpPr>
+      <p:grpSpPr>
+        <a:xfrm>
+          <a:off x="0" y="0"/>
+          <a:ext cx="0" cy="0"/>
+          <a:chOff x="0" y="0"/>
+          <a:chExt cx="0" cy="0"/>
+        </a:xfrm>
+      </p:grpSpPr>
+      <p:sp>
+        <p:nvSpPr>
+          <p:cNvPr id="2" name="1 Título"/>
+          <p:cNvSpPr>
+            <a:spLocks noGrp="1"/>
+          </p:cNvSpPr>
+          <p:nvPr>
+            <p:ph type="title"/>
+          </p:nvPr>
+        </p:nvSpPr>
+        <p:spPr/>
+        <p:txBody>
+          <a:bodyPr/>
+          <a:lstStyle/>
+          <a:p>
+            <a:r>
+              <a:rPr lang="es-ES_tradnl" dirty="0" smtClean="0"/>
+              <a:t>Preguntas</a:t>
+            </a:r>
+            <a:endParaRPr lang="es-ES" dirty="0"/>
+          </a:p>
+        </p:txBody>
+      </p:sp>
+      <p:pic>
+        <p:nvPicPr>
+          <p:cNvPr id="1026" name="Picture 2"/>
+          <p:cNvPicPr>
+            <a:picLocks noChangeAspect="1" noChangeArrowheads="1"/>
+          </p:cNvPicPr>
+          <p:nvPr/>
+        </p:nvPicPr>
+        <p:blipFill>
+          <a:blip r:embed="rId2">
+            <a:duotone>
+              <a:schemeClr val="accent3">
+                <a:shade val="45000"/>
+                <a:satMod val="135000"/>
+              </a:schemeClr>
+              <a:prstClr val="white"/>
+            </a:duotone>
+            <a:extLst>
+              <a:ext uri="{28A0092B-C50C-407E-A947-70E740481C1C}">
+                <a14:useLocalDpi xmlns:a14="http://schemas.microsoft.com/office/drawing/2010/main" val="0"/>
+              </a:ext>
+            </a:extLst>
+          </a:blip>
+          <a:srcRect/>
+          <a:stretch>
+            <a:fillRect/>
+          </a:stretch>
+        </p:blipFill>
+        <p:spPr bwMode="auto">
+          <a:xfrm>
+            <a:off x="3124200" y="2060848"/>
+            <a:ext cx="2895600" cy="3619500"/>
+          </a:xfrm>
+          <a:prstGeom prst="rect">
+            <a:avLst/>
+          </a:prstGeom>
+          <a:noFill/>
+          <a:ln>
+            <a:noFill/>
+          </a:ln>
+          <a:effectLst/>
+          <a:extLst>
+            <a:ext uri="{909E8E84-426E-40DD-AFC4-6F175D3DCCD1}">
+              <a14:hiddenFill xmlns:a14="http://schemas.microsoft.com/office/drawing/2010/main">
+                <a:solidFill>
+                  <a:schemeClr val="accent1"/>
+                </a:solidFill>
+              </a14:hiddenFill>
+            </a:ext>
+            <a:ext uri="{91240B29-F687-4F45-9708-019B960494DF}">
+              <a14:hiddenLine xmlns:a14="http://schemas.microsoft.com/office/drawing/2010/main" w="9525">
+                <a:solidFill>
+                  <a:schemeClr val="tx1"/>
+                </a:solidFill>
+                <a:miter lim="800000"/>
+                <a:headEnd/>
+                <a:tailEnd/>
+              </a14:hiddenLine>
+            </a:ext>
+            <a:ext uri="{AF507438-7753-43E0-B8FC-AC1667EBCBE1}">
+              <a14:hiddenEffects xmlns:a14="http://schemas.microsoft.com/office/drawing/2010/main">
+                <a:effectLst>
+                  <a:outerShdw dist="35921" dir="2700000" algn="ctr" rotWithShape="0">
+                    <a:schemeClr val="bg2"/>
+                  </a:outerShdw>
+                </a:effectLst>
+              </a14:hiddenEffects>
+            </a:ext>
+          </a:extLst>
+        </p:spPr>
+      </p:pic>
+    </p:spTree>
+    <p:extLst>
+      <p:ext uri="{BB962C8B-B14F-4D97-AF65-F5344CB8AC3E}">
+        <p14:creationId xmlns:p14="http://schemas.microsoft.com/office/powerpoint/2010/main" val="20229967"/>
+      </p:ext>
+    </p:extLst>
+  </p:cSld>
+  <p:clrMapOvr>
+    <a:masterClrMapping/>
+  </p:clrMapOvr>
+</p:sld>
+</file>
+
+<file path=ppt/slides/slide26.xml><?xml version="1.0" encoding="utf-8"?>
+<p:sld xmlns:a="http://schemas.openxmlformats.org/drawingml/2006/main" xmlns:r="http://schemas.openxmlformats.org/officeDocument/2006/relationships" xmlns:p="http://schemas.openxmlformats.org/presentationml/2006/main">
+  <p:cSld>
+    <p:spTree>
+      <p:nvGrpSpPr>
+        <p:cNvPr id="1" name=""/>
+        <p:cNvGrpSpPr/>
+        <p:nvPr/>
+      </p:nvGrpSpPr>
+      <p:grpSpPr>
+        <a:xfrm>
+          <a:off x="0" y="0"/>
+          <a:ext cx="0" cy="0"/>
+          <a:chOff x="0" y="0"/>
+          <a:chExt cx="0" cy="0"/>
+        </a:xfrm>
+      </p:grpSpPr>
+      <p:sp>
+        <p:nvSpPr>
+          <p:cNvPr id="2" name="1 Título"/>
+          <p:cNvSpPr>
+            <a:spLocks noGrp="1"/>
+          </p:cNvSpPr>
+          <p:nvPr>
+            <p:ph type="title"/>
+          </p:nvPr>
+        </p:nvSpPr>
+        <p:spPr>
+          <a:xfrm>
+            <a:off x="395536" y="2780928"/>
+            <a:ext cx="8229600" cy="1143000"/>
+          </a:xfrm>
+        </p:spPr>
+        <p:txBody>
+          <a:bodyPr>
+            <a:normAutofit/>
+          </a:bodyPr>
+          <a:lstStyle/>
+          <a:p>
+            <a:pPr algn="ctr"/>
+            <a:r>
+              <a:rPr lang="es-ES_tradnl" sz="5400" dirty="0"/>
+              <a:t>Gracias por su </a:t>
+            </a:r>
+            <a:r>
+              <a:rPr lang="es-ES_tradnl" sz="5400" dirty="0" smtClean="0"/>
+              <a:t>atención</a:t>
+            </a:r>
+            <a:endParaRPr lang="es-ES" dirty="0"/>
+          </a:p>
+        </p:txBody>
+      </p:sp>
+    </p:spTree>
+    <p:extLst>
+      <p:ext uri="{BB962C8B-B14F-4D97-AF65-F5344CB8AC3E}">
+        <p14:creationId xmlns:p14="http://schemas.microsoft.com/office/powerpoint/2010/main" val="2877989905"/>
       </p:ext>
     </p:extLst>
   </p:cSld>
